--- a/PYTHON_8_Lists Part 1.pptx
+++ b/PYTHON_8_Lists Part 1.pptx
@@ -296,7 +296,7 @@
           <a:p>
             <a:fld id="{D3853345-A581-455E-9661-1270F4F6E587}" type="datetimeFigureOut">
               <a:rPr lang="en-US" smtClean="0"/>
-              <a:t>6/23/2019</a:t>
+              <a:t>7/10/2019</a:t>
             </a:fld>
             <a:endParaRPr lang="en-US"/>
           </a:p>
@@ -499,7 +499,7 @@
           <a:p>
             <a:fld id="{D3853345-A581-455E-9661-1270F4F6E587}" type="datetimeFigureOut">
               <a:rPr lang="en-US" smtClean="0"/>
-              <a:t>6/23/2019</a:t>
+              <a:t>7/10/2019</a:t>
             </a:fld>
             <a:endParaRPr lang="en-US"/>
           </a:p>
@@ -707,7 +707,7 @@
           <a:p>
             <a:fld id="{D3853345-A581-455E-9661-1270F4F6E587}" type="datetimeFigureOut">
               <a:rPr lang="en-US" smtClean="0"/>
-              <a:t>6/23/2019</a:t>
+              <a:t>7/10/2019</a:t>
             </a:fld>
             <a:endParaRPr lang="en-US"/>
           </a:p>
@@ -905,7 +905,7 @@
           <a:p>
             <a:fld id="{D3853345-A581-455E-9661-1270F4F6E587}" type="datetimeFigureOut">
               <a:rPr lang="en-US" smtClean="0"/>
-              <a:t>6/23/2019</a:t>
+              <a:t>7/10/2019</a:t>
             </a:fld>
             <a:endParaRPr lang="en-US"/>
           </a:p>
@@ -1180,7 +1180,7 @@
           <a:p>
             <a:fld id="{D3853345-A581-455E-9661-1270F4F6E587}" type="datetimeFigureOut">
               <a:rPr lang="en-US" smtClean="0"/>
-              <a:t>6/23/2019</a:t>
+              <a:t>7/10/2019</a:t>
             </a:fld>
             <a:endParaRPr lang="en-US"/>
           </a:p>
@@ -1445,7 +1445,7 @@
           <a:p>
             <a:fld id="{D3853345-A581-455E-9661-1270F4F6E587}" type="datetimeFigureOut">
               <a:rPr lang="en-US" smtClean="0"/>
-              <a:t>6/23/2019</a:t>
+              <a:t>7/10/2019</a:t>
             </a:fld>
             <a:endParaRPr lang="en-US"/>
           </a:p>
@@ -1857,7 +1857,7 @@
           <a:p>
             <a:fld id="{D3853345-A581-455E-9661-1270F4F6E587}" type="datetimeFigureOut">
               <a:rPr lang="en-US" smtClean="0"/>
-              <a:t>6/23/2019</a:t>
+              <a:t>7/10/2019</a:t>
             </a:fld>
             <a:endParaRPr lang="en-US"/>
           </a:p>
@@ -1998,7 +1998,7 @@
           <a:p>
             <a:fld id="{D3853345-A581-455E-9661-1270F4F6E587}" type="datetimeFigureOut">
               <a:rPr lang="en-US" smtClean="0"/>
-              <a:t>6/23/2019</a:t>
+              <a:t>7/10/2019</a:t>
             </a:fld>
             <a:endParaRPr lang="en-US"/>
           </a:p>
@@ -2111,7 +2111,7 @@
           <a:p>
             <a:fld id="{D3853345-A581-455E-9661-1270F4F6E587}" type="datetimeFigureOut">
               <a:rPr lang="en-US" smtClean="0"/>
-              <a:t>6/23/2019</a:t>
+              <a:t>7/10/2019</a:t>
             </a:fld>
             <a:endParaRPr lang="en-US"/>
           </a:p>
@@ -2427,7 +2427,7 @@
           <a:p>
             <a:fld id="{D3853345-A581-455E-9661-1270F4F6E587}" type="datetimeFigureOut">
               <a:rPr lang="en-US" smtClean="0"/>
-              <a:t>6/23/2019</a:t>
+              <a:t>7/10/2019</a:t>
             </a:fld>
             <a:endParaRPr lang="en-US"/>
           </a:p>
@@ -2720,7 +2720,7 @@
           <a:p>
             <a:fld id="{D3853345-A581-455E-9661-1270F4F6E587}" type="datetimeFigureOut">
               <a:rPr lang="en-US" smtClean="0"/>
-              <a:t>6/23/2019</a:t>
+              <a:t>7/10/2019</a:t>
             </a:fld>
             <a:endParaRPr lang="en-US"/>
           </a:p>
@@ -2961,7 +2961,7 @@
           <a:p>
             <a:fld id="{D3853345-A581-455E-9661-1270F4F6E587}" type="datetimeFigureOut">
               <a:rPr lang="en-US" smtClean="0"/>
-              <a:t>6/23/2019</a:t>
+              <a:t>7/10/2019</a:t>
             </a:fld>
             <a:endParaRPr lang="en-US"/>
           </a:p>
@@ -3818,7 +3818,7 @@
             </a:r>
             <a:r>
               <a:rPr lang="en-US" b="1" dirty="0"/>
-              <a:t>append() </a:t>
+              <a:t>append( ) </a:t>
             </a:r>
           </a:p>
         </p:txBody>
@@ -3842,7 +3842,7 @@
         <p:spPr/>
         <p:txBody>
           <a:bodyPr>
-            <a:normAutofit lnSpcReduction="10000"/>
+            <a:normAutofit fontScale="92500" lnSpcReduction="10000"/>
           </a:bodyPr>
           <a:lstStyle/>
           <a:p>
@@ -3851,7 +3851,15 @@
             </a:pPr>
             <a:r>
               <a:rPr lang="en-US" dirty="0"/>
-              <a:t>• We can use append() to create a list of numbers (using a loop to control how many) </a:t>
+              <a:t>• We can use </a:t>
+            </a:r>
+            <a:r>
+              <a:rPr lang="en-US" b="1" dirty="0"/>
+              <a:t>append( ) </a:t>
+            </a:r>
+            <a:r>
+              <a:rPr lang="en-US" dirty="0"/>
+              <a:t>to create a list of numbers (using a loop to control how many) </a:t>
             </a:r>
           </a:p>
           <a:p>
@@ -4007,6 +4015,23 @@
             <a:r>
               <a:rPr lang="en-US" dirty="0"/>
               <a:t>        count += 1</a:t>
+            </a:r>
+          </a:p>
+          <a:p>
+            <a:pPr marL="0" indent="0">
+              <a:buNone/>
+            </a:pPr>
+            <a:r>
+              <a:rPr lang="en-US" dirty="0">
+                <a:solidFill>
+                  <a:srgbClr val="FF0000"/>
+                </a:solidFill>
+              </a:rPr>
+              <a:t>print</a:t>
+            </a:r>
+            <a:r>
+              <a:rPr lang="en-US" dirty="0"/>
+              <a:t> (values)</a:t>
             </a:r>
           </a:p>
         </p:txBody>
@@ -4639,16 +4664,16 @@
             </a:pPr>
             <a:r>
               <a:rPr lang="en-US" dirty="0"/>
-              <a:t>     –.append() </a:t>
-            </a:r>
-          </a:p>
-          <a:p>
-            <a:pPr marL="0" indent="0">
-              <a:buNone/>
-            </a:pPr>
-            <a:r>
-              <a:rPr lang="en-US" dirty="0"/>
-              <a:t>     –.remove()</a:t>
+              <a:t>     – .append() </a:t>
+            </a:r>
+          </a:p>
+          <a:p>
+            <a:pPr marL="0" indent="0">
+              <a:buNone/>
+            </a:pPr>
+            <a:r>
+              <a:rPr lang="en-US" dirty="0"/>
+              <a:t>     – .remove()</a:t>
             </a:r>
           </a:p>
           <a:p>
@@ -5475,8 +5500,8 @@
         </p:nvSpPr>
         <p:spPr>
           <a:xfrm>
-            <a:off x="6745457" y="3537969"/>
-            <a:ext cx="1533379" cy="646331"/>
+            <a:off x="6618847" y="3429000"/>
+            <a:ext cx="2651761" cy="954107"/>
           </a:xfrm>
           <a:prstGeom prst="rect">
             <a:avLst/>
@@ -5495,7 +5520,7 @@
           <a:lstStyle/>
           <a:p>
             <a:r>
-              <a:rPr lang="en-US" b="1" dirty="0">
+              <a:rPr lang="en-US" sz="2800" b="1" dirty="0">
                 <a:solidFill>
                   <a:srgbClr val="0070C0"/>
                 </a:solidFill>
@@ -5652,7 +5677,7 @@
         <p:spPr>
           <a:xfrm>
             <a:off x="8370276" y="2440744"/>
-            <a:ext cx="1983546" cy="646331"/>
+            <a:ext cx="1983546" cy="830997"/>
           </a:xfrm>
           <a:prstGeom prst="rect">
             <a:avLst/>
@@ -5671,7 +5696,7 @@
           <a:lstStyle/>
           <a:p>
             <a:r>
-              <a:rPr lang="en-US" b="1" dirty="0">
+              <a:rPr lang="en-US" sz="2400" b="1" dirty="0">
                 <a:solidFill>
                   <a:srgbClr val="0070C0"/>
                 </a:solidFill>
@@ -7047,7 +7072,7 @@
             </a:r>
             <a:r>
               <a:rPr lang="en-US" dirty="0"/>
-              <a:t>([2, 0, 1, 8]) </a:t>
+              <a:t>([2, 0, 1, 9]) </a:t>
             </a:r>
           </a:p>
           <a:p>
@@ -8684,8 +8709,12 @@
           <a:lstStyle/>
           <a:p>
             <a:r>
-              <a:rPr lang="en-US" dirty="0"/>
-              <a:t>HW 06: Updated Grocery List </a:t>
+              <a:rPr lang="en-US"/>
+              <a:t>HW 08: </a:t>
+            </a:r>
+            <a:r>
+              <a:rPr lang="en-US" dirty="0"/>
+              <a:t>Updated Grocery List </a:t>
             </a:r>
           </a:p>
         </p:txBody>
@@ -9180,7 +9209,11 @@
           <a:lstStyle/>
           <a:p>
             <a:r>
-              <a:rPr lang="en-US" b="1" dirty="0"/>
+              <a:rPr lang="en-US" b="1" dirty="0">
+                <a:solidFill>
+                  <a:srgbClr val="0070C0"/>
+                </a:solidFill>
+              </a:rPr>
               <a:t>Using Lists </a:t>
             </a:r>
           </a:p>
@@ -9204,14 +9237,16 @@
         </p:nvSpPr>
         <p:spPr/>
         <p:txBody>
-          <a:bodyPr/>
-          <a:lstStyle/>
-          <a:p>
-            <a:pPr marL="0" indent="0">
-              <a:buNone/>
-            </a:pPr>
-            <a:r>
-              <a:rPr lang="en-US" dirty="0"/>
+          <a:bodyPr>
+            <a:normAutofit fontScale="92500" lnSpcReduction="20000"/>
+          </a:bodyPr>
+          <a:lstStyle/>
+          <a:p>
+            <a:pPr marL="0" indent="0">
+              <a:buNone/>
+            </a:pPr>
+            <a:r>
+              <a:rPr lang="en-US" sz="3200" dirty="0"/>
               <a:t>• We need an easy way to hold individual data items without needing to make lots of variables</a:t>
             </a:r>
           </a:p>
@@ -9220,7 +9255,7 @@
               <a:buNone/>
             </a:pPr>
             <a:r>
-              <a:rPr lang="en-US" dirty="0"/>
+              <a:rPr lang="en-US" sz="3200" dirty="0"/>
               <a:t>   –Making num1, num2, ..., num99, num100 is time-consuming and  </a:t>
             </a:r>
           </a:p>
@@ -9229,7 +9264,7 @@
               <a:buNone/>
             </a:pPr>
             <a:r>
-              <a:rPr lang="en-US" dirty="0"/>
+              <a:rPr lang="en-US" sz="3200" dirty="0"/>
               <a:t>     impractical</a:t>
             </a:r>
           </a:p>
@@ -9237,14 +9272,14 @@
             <a:pPr marL="0" indent="0">
               <a:buNone/>
             </a:pPr>
-            <a:endParaRPr lang="en-US" dirty="0"/>
-          </a:p>
-          <a:p>
-            <a:pPr marL="0" indent="0">
-              <a:buNone/>
-            </a:pPr>
-            <a:r>
-              <a:rPr lang="en-US" dirty="0"/>
+            <a:endParaRPr lang="en-US" sz="3200" dirty="0"/>
+          </a:p>
+          <a:p>
+            <a:pPr marL="0" indent="0">
+              <a:buNone/>
+            </a:pPr>
+            <a:r>
+              <a:rPr lang="en-US" sz="3200" dirty="0"/>
               <a:t>• Instead, we can use a list to hold our data </a:t>
             </a:r>
           </a:p>
@@ -9253,7 +9288,7 @@
               <a:buNone/>
             </a:pPr>
             <a:r>
-              <a:rPr lang="en-US" dirty="0"/>
+              <a:rPr lang="en-US" sz="3200" dirty="0"/>
               <a:t>    –A list is a data structure: something that holds multiple pieces of</a:t>
             </a:r>
           </a:p>
@@ -9262,7 +9297,7 @@
               <a:buNone/>
             </a:pPr>
             <a:r>
-              <a:rPr lang="en-US" dirty="0"/>
+              <a:rPr lang="en-US" sz="3200" dirty="0"/>
               <a:t>      data in one structure</a:t>
             </a:r>
           </a:p>
@@ -9326,7 +9361,11 @@
           <a:lstStyle/>
           <a:p>
             <a:r>
-              <a:rPr lang="en-US" b="1" dirty="0"/>
+              <a:rPr lang="en-US" b="1" dirty="0">
+                <a:solidFill>
+                  <a:srgbClr val="0070C0"/>
+                </a:solidFill>
+              </a:rPr>
               <a:t>Lists vs Individual Variables </a:t>
             </a:r>
           </a:p>
@@ -9350,14 +9389,16 @@
         </p:nvSpPr>
         <p:spPr/>
         <p:txBody>
-          <a:bodyPr/>
-          <a:lstStyle/>
-          <a:p>
-            <a:pPr marL="0" indent="0">
-              <a:buNone/>
-            </a:pPr>
-            <a:r>
-              <a:rPr lang="en-US" dirty="0"/>
+          <a:bodyPr>
+            <a:normAutofit lnSpcReduction="10000"/>
+          </a:bodyPr>
+          <a:lstStyle/>
+          <a:p>
+            <a:pPr marL="0" indent="0">
+              <a:buNone/>
+            </a:pPr>
+            <a:r>
+              <a:rPr lang="en-US" sz="3600" dirty="0"/>
               <a:t>• Individual variables are like sticky notes</a:t>
             </a:r>
           </a:p>
@@ -9366,7 +9407,7 @@
               <a:buNone/>
             </a:pPr>
             <a:r>
-              <a:rPr lang="en-US" dirty="0"/>
+              <a:rPr lang="en-US" sz="3600" dirty="0"/>
               <a:t> –Works best when you only need a few</a:t>
             </a:r>
           </a:p>
@@ -9375,7 +9416,7 @@
               <a:buNone/>
             </a:pPr>
             <a:r>
-              <a:rPr lang="en-US" dirty="0"/>
+              <a:rPr lang="en-US" sz="3600" dirty="0"/>
               <a:t> –Good for storing different “pieces” of info</a:t>
             </a:r>
           </a:p>
@@ -9383,14 +9424,14 @@
             <a:pPr marL="0" indent="0">
               <a:buNone/>
             </a:pPr>
-            <a:endParaRPr lang="en-US" dirty="0"/>
-          </a:p>
-          <a:p>
-            <a:pPr marL="0" indent="0">
-              <a:buNone/>
-            </a:pPr>
-            <a:r>
-              <a:rPr lang="en-US" dirty="0"/>
+            <a:endParaRPr lang="en-US" sz="3600" dirty="0"/>
+          </a:p>
+          <a:p>
+            <a:pPr marL="0" indent="0">
+              <a:buNone/>
+            </a:pPr>
+            <a:r>
+              <a:rPr lang="en-US" sz="3600" dirty="0"/>
               <a:t>• Lists are like a checklist written on a single piece of paper </a:t>
             </a:r>
           </a:p>
@@ -9399,7 +9440,7 @@
               <a:buNone/>
             </a:pPr>
             <a:r>
-              <a:rPr lang="en-US" dirty="0"/>
+              <a:rPr lang="en-US" sz="3600" dirty="0"/>
               <a:t>–Best for storing a lot of related information in one place</a:t>
             </a:r>
           </a:p>
@@ -9462,85 +9503,145 @@
         </p:nvSpPr>
         <p:spPr/>
         <p:txBody>
+          <a:bodyPr>
+            <a:normAutofit/>
+          </a:bodyPr>
+          <a:lstStyle/>
+          <a:p>
+            <a:r>
+              <a:rPr lang="en-US" sz="4800" b="1" dirty="0">
+                <a:solidFill>
+                  <a:srgbClr val="0070C0"/>
+                </a:solidFill>
+              </a:rPr>
+              <a:t>Properties of a List </a:t>
+            </a:r>
+          </a:p>
+        </p:txBody>
+      </p:sp>
+      <p:sp>
+        <p:nvSpPr>
+          <p:cNvPr id="3" name="Content Placeholder 2">
+            <a:extLst>
+              <a:ext uri="{FF2B5EF4-FFF2-40B4-BE49-F238E27FC236}">
+                <a16:creationId xmlns:a16="http://schemas.microsoft.com/office/drawing/2014/main" id="{E12F18CE-C4A0-49A5-A41B-AB36D14A16DB}"/>
+              </a:ext>
+            </a:extLst>
+          </p:cNvPr>
+          <p:cNvSpPr>
+            <a:spLocks noGrp="1"/>
+          </p:cNvSpPr>
+          <p:nvPr>
+            <p:ph idx="1"/>
+          </p:nvPr>
+        </p:nvSpPr>
+        <p:spPr/>
+        <p:txBody>
           <a:bodyPr/>
           <a:lstStyle/>
           <a:p>
-            <a:r>
-              <a:rPr lang="en-US" b="1" dirty="0"/>
-              <a:t>Properties of a List </a:t>
-            </a:r>
-          </a:p>
-        </p:txBody>
-      </p:sp>
-      <p:sp>
-        <p:nvSpPr>
-          <p:cNvPr id="3" name="Content Placeholder 2">
-            <a:extLst>
-              <a:ext uri="{FF2B5EF4-FFF2-40B4-BE49-F238E27FC236}">
-                <a16:creationId xmlns:a16="http://schemas.microsoft.com/office/drawing/2014/main" id="{E12F18CE-C4A0-49A5-A41B-AB36D14A16DB}"/>
-              </a:ext>
-            </a:extLst>
-          </p:cNvPr>
-          <p:cNvSpPr>
-            <a:spLocks noGrp="1"/>
-          </p:cNvSpPr>
-          <p:nvPr>
-            <p:ph idx="1"/>
-          </p:nvPr>
-        </p:nvSpPr>
-        <p:spPr/>
-        <p:txBody>
-          <a:bodyPr/>
-          <a:lstStyle/>
-          <a:p>
-            <a:pPr marL="0" indent="0">
-              <a:buNone/>
-            </a:pPr>
-            <a:r>
-              <a:rPr lang="en-US" dirty="0"/>
-              <a:t>• Heterogeneous (multiple data types!)</a:t>
-            </a:r>
-          </a:p>
-          <a:p>
-            <a:pPr marL="0" indent="0">
-              <a:buNone/>
-            </a:pPr>
-            <a:r>
-              <a:rPr lang="en-US" dirty="0"/>
-              <a:t>• Contiguous (all together in memory) </a:t>
-            </a:r>
-          </a:p>
-          <a:p>
-            <a:pPr marL="0" indent="0">
-              <a:buNone/>
-            </a:pPr>
-            <a:r>
-              <a:rPr lang="en-US" dirty="0"/>
-              <a:t>• Ordered (remain in the order they were set in)</a:t>
-            </a:r>
-          </a:p>
-          <a:p>
-            <a:pPr marL="0" indent="0">
-              <a:buNone/>
-            </a:pPr>
-            <a:endParaRPr lang="en-US" dirty="0"/>
-          </a:p>
-          <a:p>
-            <a:pPr marL="0" indent="0">
-              <a:buNone/>
-            </a:pPr>
-            <a:r>
-              <a:rPr lang="en-US" dirty="0"/>
-              <a:t>• Have instant (“random”) access to any element </a:t>
-            </a:r>
-          </a:p>
-          <a:p>
-            <a:pPr marL="0" indent="0">
-              <a:buNone/>
-            </a:pPr>
-            <a:r>
-              <a:rPr lang="en-US" dirty="0"/>
-              <a:t>• Are “mutable sequences of arbitrary objects” (Can be modified)</a:t>
+            <a:pPr marL="0" indent="0">
+              <a:buNone/>
+            </a:pPr>
+            <a:r>
+              <a:rPr lang="en-US" sz="3600" dirty="0"/>
+              <a:t>• </a:t>
+            </a:r>
+            <a:r>
+              <a:rPr lang="en-US" sz="3600" dirty="0">
+                <a:solidFill>
+                  <a:srgbClr val="00B050"/>
+                </a:solidFill>
+              </a:rPr>
+              <a:t>Heterogeneous</a:t>
+            </a:r>
+            <a:r>
+              <a:rPr lang="en-US" sz="3600" dirty="0"/>
+              <a:t> (multiple data types!)</a:t>
+            </a:r>
+          </a:p>
+          <a:p>
+            <a:pPr marL="0" indent="0">
+              <a:buNone/>
+            </a:pPr>
+            <a:r>
+              <a:rPr lang="en-US" sz="3600" dirty="0"/>
+              <a:t>• </a:t>
+            </a:r>
+            <a:r>
+              <a:rPr lang="en-US" sz="3600" dirty="0">
+                <a:solidFill>
+                  <a:srgbClr val="00B050"/>
+                </a:solidFill>
+              </a:rPr>
+              <a:t>Contiguous</a:t>
+            </a:r>
+            <a:r>
+              <a:rPr lang="en-US" sz="3600" dirty="0"/>
+              <a:t> (all together in memory, sharing a common border) </a:t>
+            </a:r>
+          </a:p>
+          <a:p>
+            <a:pPr marL="0" indent="0">
+              <a:buNone/>
+            </a:pPr>
+            <a:r>
+              <a:rPr lang="en-US" sz="3600" dirty="0"/>
+              <a:t>• </a:t>
+            </a:r>
+            <a:r>
+              <a:rPr lang="en-US" sz="3600" dirty="0">
+                <a:solidFill>
+                  <a:srgbClr val="00B050"/>
+                </a:solidFill>
+              </a:rPr>
+              <a:t>Ordered</a:t>
+            </a:r>
+            <a:r>
+              <a:rPr lang="en-US" sz="3600" dirty="0"/>
+              <a:t> (remain in the order they were set in)</a:t>
+            </a:r>
+          </a:p>
+          <a:p>
+            <a:pPr marL="0" indent="0">
+              <a:buNone/>
+            </a:pPr>
+            <a:r>
+              <a:rPr lang="en-US" sz="3600" dirty="0"/>
+              <a:t>• Have instant (“</a:t>
+            </a:r>
+            <a:r>
+              <a:rPr lang="en-US" sz="3600" dirty="0">
+                <a:solidFill>
+                  <a:srgbClr val="00B050"/>
+                </a:solidFill>
+              </a:rPr>
+              <a:t>random</a:t>
+            </a:r>
+            <a:r>
+              <a:rPr lang="en-US" sz="3600" dirty="0"/>
+              <a:t>”) access to any element </a:t>
+            </a:r>
+          </a:p>
+          <a:p>
+            <a:pPr marL="0" indent="0">
+              <a:buNone/>
+            </a:pPr>
+            <a:r>
+              <a:rPr lang="en-US" sz="3600" dirty="0"/>
+              <a:t>• Are “</a:t>
+            </a:r>
+            <a:r>
+              <a:rPr lang="en-US" sz="3600" dirty="0">
+                <a:solidFill>
+                  <a:srgbClr val="00B050"/>
+                </a:solidFill>
+              </a:rPr>
+              <a:t>mutable sequences of arbitrary objects</a:t>
+            </a:r>
+            <a:r>
+              <a:rPr lang="en-US" sz="3600" dirty="0"/>
+              <a:t>” (Can be modified)</a:t>
             </a:r>
           </a:p>
           <a:p>

--- a/PYTHON_8_Lists Part 1.pptx
+++ b/PYTHON_8_Lists Part 1.pptx
@@ -296,7 +296,7 @@
           <a:p>
             <a:fld id="{D3853345-A581-455E-9661-1270F4F6E587}" type="datetimeFigureOut">
               <a:rPr lang="en-US" smtClean="0"/>
-              <a:t>7/10/2019</a:t>
+              <a:t>7/11/2019</a:t>
             </a:fld>
             <a:endParaRPr lang="en-US"/>
           </a:p>
@@ -499,7 +499,7 @@
           <a:p>
             <a:fld id="{D3853345-A581-455E-9661-1270F4F6E587}" type="datetimeFigureOut">
               <a:rPr lang="en-US" smtClean="0"/>
-              <a:t>7/10/2019</a:t>
+              <a:t>7/11/2019</a:t>
             </a:fld>
             <a:endParaRPr lang="en-US"/>
           </a:p>
@@ -707,7 +707,7 @@
           <a:p>
             <a:fld id="{D3853345-A581-455E-9661-1270F4F6E587}" type="datetimeFigureOut">
               <a:rPr lang="en-US" smtClean="0"/>
-              <a:t>7/10/2019</a:t>
+              <a:t>7/11/2019</a:t>
             </a:fld>
             <a:endParaRPr lang="en-US"/>
           </a:p>
@@ -905,7 +905,7 @@
           <a:p>
             <a:fld id="{D3853345-A581-455E-9661-1270F4F6E587}" type="datetimeFigureOut">
               <a:rPr lang="en-US" smtClean="0"/>
-              <a:t>7/10/2019</a:t>
+              <a:t>7/11/2019</a:t>
             </a:fld>
             <a:endParaRPr lang="en-US"/>
           </a:p>
@@ -1180,7 +1180,7 @@
           <a:p>
             <a:fld id="{D3853345-A581-455E-9661-1270F4F6E587}" type="datetimeFigureOut">
               <a:rPr lang="en-US" smtClean="0"/>
-              <a:t>7/10/2019</a:t>
+              <a:t>7/11/2019</a:t>
             </a:fld>
             <a:endParaRPr lang="en-US"/>
           </a:p>
@@ -1445,7 +1445,7 @@
           <a:p>
             <a:fld id="{D3853345-A581-455E-9661-1270F4F6E587}" type="datetimeFigureOut">
               <a:rPr lang="en-US" smtClean="0"/>
-              <a:t>7/10/2019</a:t>
+              <a:t>7/11/2019</a:t>
             </a:fld>
             <a:endParaRPr lang="en-US"/>
           </a:p>
@@ -1857,7 +1857,7 @@
           <a:p>
             <a:fld id="{D3853345-A581-455E-9661-1270F4F6E587}" type="datetimeFigureOut">
               <a:rPr lang="en-US" smtClean="0"/>
-              <a:t>7/10/2019</a:t>
+              <a:t>7/11/2019</a:t>
             </a:fld>
             <a:endParaRPr lang="en-US"/>
           </a:p>
@@ -1998,7 +1998,7 @@
           <a:p>
             <a:fld id="{D3853345-A581-455E-9661-1270F4F6E587}" type="datetimeFigureOut">
               <a:rPr lang="en-US" smtClean="0"/>
-              <a:t>7/10/2019</a:t>
+              <a:t>7/11/2019</a:t>
             </a:fld>
             <a:endParaRPr lang="en-US"/>
           </a:p>
@@ -2111,7 +2111,7 @@
           <a:p>
             <a:fld id="{D3853345-A581-455E-9661-1270F4F6E587}" type="datetimeFigureOut">
               <a:rPr lang="en-US" smtClean="0"/>
-              <a:t>7/10/2019</a:t>
+              <a:t>7/11/2019</a:t>
             </a:fld>
             <a:endParaRPr lang="en-US"/>
           </a:p>
@@ -2427,7 +2427,7 @@
           <a:p>
             <a:fld id="{D3853345-A581-455E-9661-1270F4F6E587}" type="datetimeFigureOut">
               <a:rPr lang="en-US" smtClean="0"/>
-              <a:t>7/10/2019</a:t>
+              <a:t>7/11/2019</a:t>
             </a:fld>
             <a:endParaRPr lang="en-US"/>
           </a:p>
@@ -2720,7 +2720,7 @@
           <a:p>
             <a:fld id="{D3853345-A581-455E-9661-1270F4F6E587}" type="datetimeFigureOut">
               <a:rPr lang="en-US" smtClean="0"/>
-              <a:t>7/10/2019</a:t>
+              <a:t>7/11/2019</a:t>
             </a:fld>
             <a:endParaRPr lang="en-US"/>
           </a:p>
@@ -2961,7 +2961,7 @@
           <a:p>
             <a:fld id="{D3853345-A581-455E-9661-1270F4F6E587}" type="datetimeFigureOut">
               <a:rPr lang="en-US" smtClean="0"/>
-              <a:t>7/10/2019</a:t>
+              <a:t>7/11/2019</a:t>
             </a:fld>
             <a:endParaRPr lang="en-US"/>
           </a:p>
@@ -3657,8 +3657,8 @@
           <a:lstStyle/>
           <a:p>
             <a:r>
-              <a:rPr lang="en-US"/>
-              <a:t>List Function: append() </a:t>
+              <a:rPr lang="en-US" dirty="0"/>
+              <a:t>List Method: append() </a:t>
             </a:r>
           </a:p>
         </p:txBody>
@@ -4164,8 +4164,12 @@
           <a:lstStyle/>
           <a:p>
             <a:r>
-              <a:rPr lang="en-US" dirty="0"/>
-              <a:t>List Function: remove()  </a:t>
+              <a:rPr lang="en-US"/>
+              <a:t>List Method: </a:t>
+            </a:r>
+            <a:r>
+              <a:rPr lang="en-US" dirty="0"/>
+              <a:t>remove()  </a:t>
             </a:r>
           </a:p>
         </p:txBody>
@@ -4214,16 +4218,29 @@
             </a:pPr>
             <a:r>
               <a:rPr lang="en-US" dirty="0"/>
-              <a:t>       removes the first instance of a given value </a:t>
-            </a:r>
-          </a:p>
-          <a:p>
-            <a:pPr marL="0" indent="0">
-              <a:buNone/>
-            </a:pPr>
-            <a:r>
-              <a:rPr lang="en-US" dirty="0"/>
-              <a:t>       </a:t>
+              <a:t>     </a:t>
+            </a:r>
+          </a:p>
+          <a:p>
+            <a:pPr marL="0" indent="0">
+              <a:buNone/>
+            </a:pPr>
+            <a:r>
+              <a:rPr lang="en-US" dirty="0">
+                <a:solidFill>
+                  <a:srgbClr val="0070C0"/>
+                </a:solidFill>
+              </a:rPr>
+              <a:t>Syntax:</a:t>
+            </a:r>
+          </a:p>
+          <a:p>
+            <a:pPr marL="0" indent="0">
+              <a:buNone/>
+            </a:pPr>
+            <a:r>
+              <a:rPr lang="en-US" dirty="0"/>
+              <a:t>	</a:t>
             </a:r>
             <a:r>
               <a:rPr lang="en-US" dirty="0" err="1"/>
@@ -5055,15 +5072,6 @@
             <a:r>
               <a:rPr lang="en-US" sz="3200" dirty="0"/>
               <a:t>    –To learn different ways to mutate a list</a:t>
-            </a:r>
-          </a:p>
-          <a:p>
-            <a:pPr marL="0" indent="0">
-              <a:buNone/>
-            </a:pPr>
-            <a:r>
-              <a:rPr lang="en-US" sz="3200" dirty="0"/>
-              <a:t>    –To learn different ways to mutate a list </a:t>
             </a:r>
           </a:p>
           <a:p>

--- a/PYTHON_8_Lists Part 1.pptx
+++ b/PYTHON_8_Lists Part 1.pptx
@@ -38,11 +38,17 @@
     <p:sldId id="321" r:id="rId32"/>
     <p:sldId id="322" r:id="rId33"/>
     <p:sldId id="323" r:id="rId34"/>
-    <p:sldId id="324" r:id="rId35"/>
-    <p:sldId id="325" r:id="rId36"/>
-    <p:sldId id="326" r:id="rId37"/>
-    <p:sldId id="327" r:id="rId38"/>
-    <p:sldId id="291" r:id="rId39"/>
+    <p:sldId id="334" r:id="rId35"/>
+    <p:sldId id="335" r:id="rId36"/>
+    <p:sldId id="336" r:id="rId37"/>
+    <p:sldId id="337" r:id="rId38"/>
+    <p:sldId id="338" r:id="rId39"/>
+    <p:sldId id="339" r:id="rId40"/>
+    <p:sldId id="324" r:id="rId41"/>
+    <p:sldId id="325" r:id="rId42"/>
+    <p:sldId id="326" r:id="rId43"/>
+    <p:sldId id="327" r:id="rId44"/>
+    <p:sldId id="291" r:id="rId45"/>
   </p:sldIdLst>
   <p:sldSz cx="12192000" cy="6858000"/>
   <p:notesSz cx="6858000" cy="9144000"/>
@@ -296,7 +302,7 @@
           <a:p>
             <a:fld id="{D3853345-A581-455E-9661-1270F4F6E587}" type="datetimeFigureOut">
               <a:rPr lang="en-US" smtClean="0"/>
-              <a:t>7/11/2019</a:t>
+              <a:t>7/15/2019</a:t>
             </a:fld>
             <a:endParaRPr lang="en-US"/>
           </a:p>
@@ -499,7 +505,7 @@
           <a:p>
             <a:fld id="{D3853345-A581-455E-9661-1270F4F6E587}" type="datetimeFigureOut">
               <a:rPr lang="en-US" smtClean="0"/>
-              <a:t>7/11/2019</a:t>
+              <a:t>7/15/2019</a:t>
             </a:fld>
             <a:endParaRPr lang="en-US"/>
           </a:p>
@@ -707,7 +713,7 @@
           <a:p>
             <a:fld id="{D3853345-A581-455E-9661-1270F4F6E587}" type="datetimeFigureOut">
               <a:rPr lang="en-US" smtClean="0"/>
-              <a:t>7/11/2019</a:t>
+              <a:t>7/15/2019</a:t>
             </a:fld>
             <a:endParaRPr lang="en-US"/>
           </a:p>
@@ -905,7 +911,7 @@
           <a:p>
             <a:fld id="{D3853345-A581-455E-9661-1270F4F6E587}" type="datetimeFigureOut">
               <a:rPr lang="en-US" smtClean="0"/>
-              <a:t>7/11/2019</a:t>
+              <a:t>7/15/2019</a:t>
             </a:fld>
             <a:endParaRPr lang="en-US"/>
           </a:p>
@@ -1180,7 +1186,7 @@
           <a:p>
             <a:fld id="{D3853345-A581-455E-9661-1270F4F6E587}" type="datetimeFigureOut">
               <a:rPr lang="en-US" smtClean="0"/>
-              <a:t>7/11/2019</a:t>
+              <a:t>7/15/2019</a:t>
             </a:fld>
             <a:endParaRPr lang="en-US"/>
           </a:p>
@@ -1445,7 +1451,7 @@
           <a:p>
             <a:fld id="{D3853345-A581-455E-9661-1270F4F6E587}" type="datetimeFigureOut">
               <a:rPr lang="en-US" smtClean="0"/>
-              <a:t>7/11/2019</a:t>
+              <a:t>7/15/2019</a:t>
             </a:fld>
             <a:endParaRPr lang="en-US"/>
           </a:p>
@@ -1857,7 +1863,7 @@
           <a:p>
             <a:fld id="{D3853345-A581-455E-9661-1270F4F6E587}" type="datetimeFigureOut">
               <a:rPr lang="en-US" smtClean="0"/>
-              <a:t>7/11/2019</a:t>
+              <a:t>7/15/2019</a:t>
             </a:fld>
             <a:endParaRPr lang="en-US"/>
           </a:p>
@@ -1998,7 +2004,7 @@
           <a:p>
             <a:fld id="{D3853345-A581-455E-9661-1270F4F6E587}" type="datetimeFigureOut">
               <a:rPr lang="en-US" smtClean="0"/>
-              <a:t>7/11/2019</a:t>
+              <a:t>7/15/2019</a:t>
             </a:fld>
             <a:endParaRPr lang="en-US"/>
           </a:p>
@@ -2111,7 +2117,7 @@
           <a:p>
             <a:fld id="{D3853345-A581-455E-9661-1270F4F6E587}" type="datetimeFigureOut">
               <a:rPr lang="en-US" smtClean="0"/>
-              <a:t>7/11/2019</a:t>
+              <a:t>7/15/2019</a:t>
             </a:fld>
             <a:endParaRPr lang="en-US"/>
           </a:p>
@@ -2427,7 +2433,7 @@
           <a:p>
             <a:fld id="{D3853345-A581-455E-9661-1270F4F6E587}" type="datetimeFigureOut">
               <a:rPr lang="en-US" smtClean="0"/>
-              <a:t>7/11/2019</a:t>
+              <a:t>7/15/2019</a:t>
             </a:fld>
             <a:endParaRPr lang="en-US"/>
           </a:p>
@@ -2720,7 +2726,7 @@
           <a:p>
             <a:fld id="{D3853345-A581-455E-9661-1270F4F6E587}" type="datetimeFigureOut">
               <a:rPr lang="en-US" smtClean="0"/>
-              <a:t>7/11/2019</a:t>
+              <a:t>7/15/2019</a:t>
             </a:fld>
             <a:endParaRPr lang="en-US"/>
           </a:p>
@@ -2961,7 +2967,7 @@
           <a:p>
             <a:fld id="{D3853345-A581-455E-9661-1270F4F6E587}" type="datetimeFigureOut">
               <a:rPr lang="en-US" smtClean="0"/>
-              <a:t>7/11/2019</a:t>
+              <a:t>7/15/2019</a:t>
             </a:fld>
             <a:endParaRPr lang="en-US"/>
           </a:p>
@@ -5478,7 +5484,7 @@
           <a:p>
             <a:r>
               <a:rPr lang="en-US" dirty="0"/>
-              <a:t>This is will print the list ‘Friends’ first and then extend it to the other list ‘</a:t>
+              <a:t>This will print the list ‘Friends’ first and then extend it to the other list ‘</a:t>
             </a:r>
             <a:r>
               <a:rPr lang="en-US" dirty="0" err="1"/>
@@ -6148,53 +6154,9 @@
         <p:spPr/>
         <p:txBody>
           <a:bodyPr>
-            <a:normAutofit fontScale="85000" lnSpcReduction="20000"/>
+            <a:normAutofit/>
           </a:bodyPr>
           <a:lstStyle/>
-          <a:p>
-            <a:r>
-              <a:rPr lang="en-US" dirty="0" err="1"/>
-              <a:t>Friends.</a:t>
-            </a:r>
-            <a:r>
-              <a:rPr lang="en-US" b="1" dirty="0" err="1"/>
-              <a:t>remove</a:t>
-            </a:r>
-            <a:r>
-              <a:rPr lang="en-US" dirty="0"/>
-              <a:t>(“Jim”) </a:t>
-            </a:r>
-          </a:p>
-          <a:p>
-            <a:pPr marL="0" indent="0">
-              <a:buNone/>
-            </a:pPr>
-            <a:r>
-              <a:rPr lang="en-US" dirty="0"/>
-              <a:t>     –Jim will be removed from the list</a:t>
-            </a:r>
-          </a:p>
-          <a:p>
-            <a:pPr marL="0" indent="0">
-              <a:buNone/>
-            </a:pPr>
-            <a:r>
-              <a:rPr lang="en-US" dirty="0"/>
-              <a:t>     </a:t>
-            </a:r>
-            <a:r>
-              <a:rPr lang="en-US" dirty="0">
-                <a:solidFill>
-                  <a:srgbClr val="0070C0"/>
-                </a:solidFill>
-              </a:rPr>
-              <a:t>Output-</a:t>
-            </a:r>
-            <a:r>
-              <a:rPr lang="en-US" dirty="0"/>
-              <a:t> ["Kevin", "Karen", "Oscar", "Toby"]</a:t>
-            </a:r>
-          </a:p>
           <a:p>
             <a:pPr marL="0" indent="0">
               <a:buNone/>
@@ -8103,7 +8065,7 @@
           <p:cNvPr id="2" name="Title 1">
             <a:extLst>
               <a:ext uri="{FF2B5EF4-FFF2-40B4-BE49-F238E27FC236}">
-                <a16:creationId xmlns:a16="http://schemas.microsoft.com/office/drawing/2014/main" id="{7EC034A5-532F-437F-A66A-CBCF6CB63070}"/>
+                <a16:creationId xmlns:a16="http://schemas.microsoft.com/office/drawing/2014/main" id="{8A3506F2-C873-483E-B926-F4B892A68C16}"/>
               </a:ext>
             </a:extLst>
           </p:cNvPr>
@@ -8116,8 +8078,8 @@
         </p:nvSpPr>
         <p:spPr>
           <a:xfrm>
-            <a:off x="2780127" y="2362737"/>
-            <a:ext cx="6631745" cy="1325563"/>
+            <a:off x="1676400" y="2390873"/>
+            <a:ext cx="10515600" cy="1325563"/>
           </a:xfrm>
         </p:spPr>
         <p:txBody>
@@ -8126,15 +8088,18 @@
           <a:p>
             <a:r>
               <a:rPr lang="en-US" dirty="0"/>
-              <a:t>Membership </a:t>
-            </a:r>
-            <a:r>
-              <a:rPr lang="en-US" b="1" dirty="0"/>
-              <a:t>“in” </a:t>
-            </a:r>
-            <a:r>
-              <a:rPr lang="en-US" dirty="0"/>
-              <a:t>Operator</a:t>
+              <a:t>Sentinel Values and</a:t>
+            </a:r>
+            <a:r>
+              <a:rPr lang="en-US" b="1" dirty="0">
+                <a:latin typeface="Courier New" panose="02070309020205020404" pitchFamily="49" charset="0"/>
+                <a:cs typeface="Courier New" panose="02070309020205020404" pitchFamily="49" charset="0"/>
+              </a:rPr>
+              <a:t> while </a:t>
+            </a:r>
+            <a:r>
+              <a:rPr lang="en-US" dirty="0"/>
+              <a:t>Loops</a:t>
             </a:r>
           </a:p>
         </p:txBody>
@@ -8142,7 +8107,7 @@
     </p:spTree>
     <p:extLst>
       <p:ext uri="{BB962C8B-B14F-4D97-AF65-F5344CB8AC3E}">
-        <p14:creationId xmlns:p14="http://schemas.microsoft.com/office/powerpoint/2010/main" val="852225997"/>
+        <p14:creationId xmlns:p14="http://schemas.microsoft.com/office/powerpoint/2010/main" val="2236664027"/>
       </p:ext>
     </p:extLst>
   </p:cSld>
@@ -8174,6 +8139,1163 @@
           <p:cNvPr id="2" name="Title 1">
             <a:extLst>
               <a:ext uri="{FF2B5EF4-FFF2-40B4-BE49-F238E27FC236}">
+                <a16:creationId xmlns:a16="http://schemas.microsoft.com/office/drawing/2014/main" id="{711D3BC8-4A9C-4A06-B086-4C9EBBCC2A18}"/>
+              </a:ext>
+            </a:extLst>
+          </p:cNvPr>
+          <p:cNvSpPr>
+            <a:spLocks noGrp="1"/>
+          </p:cNvSpPr>
+          <p:nvPr>
+            <p:ph type="title"/>
+          </p:nvPr>
+        </p:nvSpPr>
+        <p:spPr/>
+        <p:txBody>
+          <a:bodyPr/>
+          <a:lstStyle/>
+          <a:p>
+            <a:r>
+              <a:rPr lang="en-US" dirty="0"/>
+              <a:t>When to Use</a:t>
+            </a:r>
+            <a:r>
+              <a:rPr lang="en-US" b="1" dirty="0">
+                <a:latin typeface="Courier New" panose="02070309020205020404" pitchFamily="49" charset="0"/>
+                <a:cs typeface="Courier New" panose="02070309020205020404" pitchFamily="49" charset="0"/>
+              </a:rPr>
+              <a:t> while </a:t>
+            </a:r>
+            <a:r>
+              <a:rPr lang="en-US" dirty="0"/>
+              <a:t>Loops</a:t>
+            </a:r>
+          </a:p>
+        </p:txBody>
+      </p:sp>
+      <p:sp>
+        <p:nvSpPr>
+          <p:cNvPr id="3" name="Content Placeholder 2">
+            <a:extLst>
+              <a:ext uri="{FF2B5EF4-FFF2-40B4-BE49-F238E27FC236}">
+                <a16:creationId xmlns:a16="http://schemas.microsoft.com/office/drawing/2014/main" id="{882E350E-63AE-4AF9-89E6-7AD8894A1DC2}"/>
+              </a:ext>
+            </a:extLst>
+          </p:cNvPr>
+          <p:cNvSpPr>
+            <a:spLocks noGrp="1"/>
+          </p:cNvSpPr>
+          <p:nvPr>
+            <p:ph idx="1"/>
+          </p:nvPr>
+        </p:nvSpPr>
+        <p:spPr/>
+        <p:txBody>
+          <a:bodyPr/>
+          <a:lstStyle/>
+          <a:p>
+            <a:r>
+              <a:rPr lang="en-US" b="1" dirty="0">
+                <a:latin typeface="Courier New" panose="02070309020205020404" pitchFamily="49" charset="0"/>
+                <a:cs typeface="Courier New" panose="02070309020205020404" pitchFamily="49" charset="0"/>
+              </a:rPr>
+              <a:t>while </a:t>
+            </a:r>
+            <a:r>
+              <a:rPr lang="en-US" dirty="0"/>
+              <a:t>loops are very helpful when you:</a:t>
+            </a:r>
+          </a:p>
+          <a:p>
+            <a:pPr lvl="1"/>
+            <a:r>
+              <a:rPr lang="en-US" sz="3200" dirty="0"/>
+              <a:t>Want to get input from the user that </a:t>
+            </a:r>
+            <a:br>
+              <a:rPr lang="en-US" sz="3200" dirty="0"/>
+            </a:br>
+            <a:r>
+              <a:rPr lang="en-US" sz="3200" dirty="0"/>
+              <a:t>meets certain specific conditions</a:t>
+            </a:r>
+          </a:p>
+          <a:p>
+            <a:pPr lvl="2"/>
+            <a:r>
+              <a:rPr lang="en-US" sz="2800" dirty="0"/>
+              <a:t>Positive number</a:t>
+            </a:r>
+          </a:p>
+          <a:p>
+            <a:pPr lvl="2"/>
+            <a:r>
+              <a:rPr lang="en-US" sz="2800" dirty="0"/>
+              <a:t>A non-empty string</a:t>
+            </a:r>
+          </a:p>
+          <a:p>
+            <a:pPr lvl="2"/>
+            <a:endParaRPr lang="en-US" sz="2800" dirty="0"/>
+          </a:p>
+          <a:p>
+            <a:pPr lvl="1"/>
+            <a:r>
+              <a:rPr lang="en-US" sz="3200" dirty="0">
+                <a:solidFill>
+                  <a:srgbClr val="FF0000"/>
+                </a:solidFill>
+              </a:rPr>
+              <a:t>Want to keep getting input until some “end”</a:t>
+            </a:r>
+          </a:p>
+          <a:p>
+            <a:pPr lvl="2"/>
+            <a:r>
+              <a:rPr lang="en-US" sz="2800" dirty="0">
+                <a:solidFill>
+                  <a:srgbClr val="FF0000"/>
+                </a:solidFill>
+              </a:rPr>
+              <a:t>User inputs a value that means they’re finished</a:t>
+            </a:r>
+          </a:p>
+          <a:p>
+            <a:pPr lvl="2"/>
+            <a:r>
+              <a:rPr lang="en-US" sz="2800" dirty="0">
+                <a:solidFill>
+                  <a:srgbClr val="FF0000"/>
+                </a:solidFill>
+              </a:rPr>
+              <a:t>Reached the end of some input (a file, etc.)</a:t>
+            </a:r>
+          </a:p>
+          <a:p>
+            <a:pPr marL="0" indent="0">
+              <a:buNone/>
+            </a:pPr>
+            <a:endParaRPr lang="en-US" dirty="0"/>
+          </a:p>
+        </p:txBody>
+      </p:sp>
+    </p:spTree>
+    <p:extLst>
+      <p:ext uri="{BB962C8B-B14F-4D97-AF65-F5344CB8AC3E}">
+        <p14:creationId xmlns:p14="http://schemas.microsoft.com/office/powerpoint/2010/main" val="2185405340"/>
+      </p:ext>
+    </p:extLst>
+  </p:cSld>
+  <p:clrMapOvr>
+    <a:masterClrMapping/>
+  </p:clrMapOvr>
+</p:sld>
+</file>
+
+<file path=ppt/slides/slide36.xml><?xml version="1.0" encoding="utf-8"?>
+<p:sld xmlns:a="http://schemas.openxmlformats.org/drawingml/2006/main" xmlns:r="http://schemas.openxmlformats.org/officeDocument/2006/relationships" xmlns:p="http://schemas.openxmlformats.org/presentationml/2006/main">
+  <p:cSld>
+    <p:spTree>
+      <p:nvGrpSpPr>
+        <p:cNvPr id="1" name=""/>
+        <p:cNvGrpSpPr/>
+        <p:nvPr/>
+      </p:nvGrpSpPr>
+      <p:grpSpPr>
+        <a:xfrm>
+          <a:off x="0" y="0"/>
+          <a:ext cx="0" cy="0"/>
+          <a:chOff x="0" y="0"/>
+          <a:chExt cx="0" cy="0"/>
+        </a:xfrm>
+      </p:grpSpPr>
+      <p:sp>
+        <p:nvSpPr>
+          <p:cNvPr id="2" name="Title 1">
+            <a:extLst>
+              <a:ext uri="{FF2B5EF4-FFF2-40B4-BE49-F238E27FC236}">
+                <a16:creationId xmlns:a16="http://schemas.microsoft.com/office/drawing/2014/main" id="{24227405-4FCA-4937-B479-EE7BDC238F7F}"/>
+              </a:ext>
+            </a:extLst>
+          </p:cNvPr>
+          <p:cNvSpPr>
+            <a:spLocks noGrp="1"/>
+          </p:cNvSpPr>
+          <p:nvPr>
+            <p:ph type="title"/>
+          </p:nvPr>
+        </p:nvSpPr>
+        <p:spPr/>
+        <p:txBody>
+          <a:bodyPr/>
+          <a:lstStyle/>
+          <a:p>
+            <a:r>
+              <a:rPr lang="en-US" b="1" dirty="0"/>
+              <a:t>Sentinel Values</a:t>
+            </a:r>
+          </a:p>
+        </p:txBody>
+      </p:sp>
+      <p:sp>
+        <p:nvSpPr>
+          <p:cNvPr id="3" name="Content Placeholder 2">
+            <a:extLst>
+              <a:ext uri="{FF2B5EF4-FFF2-40B4-BE49-F238E27FC236}">
+                <a16:creationId xmlns:a16="http://schemas.microsoft.com/office/drawing/2014/main" id="{18EC53A9-ED58-4578-BF3F-7B6FE9C5BC30}"/>
+              </a:ext>
+            </a:extLst>
+          </p:cNvPr>
+          <p:cNvSpPr>
+            <a:spLocks noGrp="1"/>
+          </p:cNvSpPr>
+          <p:nvPr>
+            <p:ph idx="1"/>
+          </p:nvPr>
+        </p:nvSpPr>
+        <p:spPr/>
+        <p:txBody>
+          <a:bodyPr/>
+          <a:lstStyle/>
+          <a:p>
+            <a:r>
+              <a:rPr lang="en-US" b="1" i="1" dirty="0"/>
+              <a:t>Sentinel values </a:t>
+            </a:r>
+            <a:r>
+              <a:rPr lang="en-US" dirty="0"/>
+              <a:t>“guard” the end of your input</a:t>
+            </a:r>
+          </a:p>
+          <a:p>
+            <a:r>
+              <a:rPr lang="en-US" dirty="0"/>
+              <a:t>They are used:</a:t>
+            </a:r>
+          </a:p>
+          <a:p>
+            <a:pPr lvl="1"/>
+            <a:r>
+              <a:rPr lang="en-US" dirty="0"/>
+              <a:t>When you don’t know the number of entries</a:t>
+            </a:r>
+          </a:p>
+          <a:p>
+            <a:pPr lvl="1"/>
+            <a:r>
+              <a:rPr lang="en-US" dirty="0"/>
+              <a:t>In</a:t>
+            </a:r>
+            <a:r>
+              <a:rPr lang="en-US" b="1" dirty="0">
+                <a:latin typeface="Courier New" panose="02070309020205020404" pitchFamily="49" charset="0"/>
+                <a:cs typeface="Courier New" panose="02070309020205020404" pitchFamily="49" charset="0"/>
+              </a:rPr>
+              <a:t> while </a:t>
+            </a:r>
+            <a:r>
+              <a:rPr lang="en-US" dirty="0"/>
+              <a:t>loops to control data entry</a:t>
+            </a:r>
+          </a:p>
+          <a:p>
+            <a:pPr lvl="1"/>
+            <a:r>
+              <a:rPr lang="en-US" dirty="0"/>
+              <a:t>To let the user indicate an “end” to the data</a:t>
+            </a:r>
+          </a:p>
+          <a:p>
+            <a:endParaRPr lang="en-US" dirty="0"/>
+          </a:p>
+          <a:p>
+            <a:r>
+              <a:rPr lang="en-US" dirty="0"/>
+              <a:t>Common sentinel values include:</a:t>
+            </a:r>
+          </a:p>
+          <a:p>
+            <a:pPr lvl="1"/>
+            <a:r>
+              <a:rPr lang="en-US" b="1" dirty="0">
+                <a:latin typeface="Courier New" panose="02070309020205020404" pitchFamily="49" charset="0"/>
+                <a:cs typeface="Courier New" panose="02070309020205020404" pitchFamily="49" charset="0"/>
+              </a:rPr>
+              <a:t>STOP</a:t>
+            </a:r>
+            <a:r>
+              <a:rPr lang="en-US" dirty="0"/>
+              <a:t>,</a:t>
+            </a:r>
+            <a:r>
+              <a:rPr lang="en-US" b="1" dirty="0">
+                <a:latin typeface="Courier New" panose="02070309020205020404" pitchFamily="49" charset="0"/>
+                <a:cs typeface="Courier New" panose="02070309020205020404" pitchFamily="49" charset="0"/>
+              </a:rPr>
+              <a:t> -1</a:t>
+            </a:r>
+            <a:r>
+              <a:rPr lang="en-US" dirty="0"/>
+              <a:t>,</a:t>
+            </a:r>
+            <a:r>
+              <a:rPr lang="en-US" b="1" dirty="0">
+                <a:latin typeface="Courier New" panose="02070309020205020404" pitchFamily="49" charset="0"/>
+                <a:cs typeface="Courier New" panose="02070309020205020404" pitchFamily="49" charset="0"/>
+              </a:rPr>
+              <a:t> 0</a:t>
+            </a:r>
+            <a:r>
+              <a:rPr lang="en-US" dirty="0"/>
+              <a:t>,</a:t>
+            </a:r>
+            <a:r>
+              <a:rPr lang="en-US" b="1" dirty="0">
+                <a:latin typeface="Courier New" panose="02070309020205020404" pitchFamily="49" charset="0"/>
+                <a:cs typeface="Courier New" panose="02070309020205020404" pitchFamily="49" charset="0"/>
+              </a:rPr>
+              <a:t> QUIT</a:t>
+            </a:r>
+            <a:r>
+              <a:rPr lang="en-US" dirty="0"/>
+              <a:t>, and</a:t>
+            </a:r>
+            <a:r>
+              <a:rPr lang="en-US" b="1" dirty="0">
+                <a:latin typeface="Courier New" panose="02070309020205020404" pitchFamily="49" charset="0"/>
+                <a:cs typeface="Courier New" panose="02070309020205020404" pitchFamily="49" charset="0"/>
+              </a:rPr>
+              <a:t> EXIT</a:t>
+            </a:r>
+          </a:p>
+          <a:p>
+            <a:endParaRPr lang="en-US" dirty="0"/>
+          </a:p>
+        </p:txBody>
+      </p:sp>
+    </p:spTree>
+    <p:extLst>
+      <p:ext uri="{BB962C8B-B14F-4D97-AF65-F5344CB8AC3E}">
+        <p14:creationId xmlns:p14="http://schemas.microsoft.com/office/powerpoint/2010/main" val="2749815931"/>
+      </p:ext>
+    </p:extLst>
+  </p:cSld>
+  <p:clrMapOvr>
+    <a:masterClrMapping/>
+  </p:clrMapOvr>
+</p:sld>
+</file>
+
+<file path=ppt/slides/slide37.xml><?xml version="1.0" encoding="utf-8"?>
+<p:sld xmlns:a="http://schemas.openxmlformats.org/drawingml/2006/main" xmlns:r="http://schemas.openxmlformats.org/officeDocument/2006/relationships" xmlns:p="http://schemas.openxmlformats.org/presentationml/2006/main">
+  <p:cSld>
+    <p:spTree>
+      <p:nvGrpSpPr>
+        <p:cNvPr id="1" name=""/>
+        <p:cNvGrpSpPr/>
+        <p:nvPr/>
+      </p:nvGrpSpPr>
+      <p:grpSpPr>
+        <a:xfrm>
+          <a:off x="0" y="0"/>
+          <a:ext cx="0" cy="0"/>
+          <a:chOff x="0" y="0"/>
+          <a:chExt cx="0" cy="0"/>
+        </a:xfrm>
+      </p:grpSpPr>
+      <p:sp>
+        <p:nvSpPr>
+          <p:cNvPr id="2" name="Title 1">
+            <a:extLst>
+              <a:ext uri="{FF2B5EF4-FFF2-40B4-BE49-F238E27FC236}">
+                <a16:creationId xmlns:a16="http://schemas.microsoft.com/office/drawing/2014/main" id="{19AFA19B-A0FE-4A05-A8C5-8B975DAD7B49}"/>
+              </a:ext>
+            </a:extLst>
+          </p:cNvPr>
+          <p:cNvSpPr>
+            <a:spLocks noGrp="1"/>
+          </p:cNvSpPr>
+          <p:nvPr>
+            <p:ph type="title"/>
+          </p:nvPr>
+        </p:nvSpPr>
+        <p:spPr/>
+        <p:txBody>
+          <a:bodyPr/>
+          <a:lstStyle/>
+          <a:p>
+            <a:r>
+              <a:rPr lang="en-US" b="1" dirty="0"/>
+              <a:t>Sentinel Loop Example</a:t>
+            </a:r>
+          </a:p>
+        </p:txBody>
+      </p:sp>
+      <p:sp>
+        <p:nvSpPr>
+          <p:cNvPr id="3" name="Content Placeholder 2">
+            <a:extLst>
+              <a:ext uri="{FF2B5EF4-FFF2-40B4-BE49-F238E27FC236}">
+                <a16:creationId xmlns:a16="http://schemas.microsoft.com/office/drawing/2014/main" id="{52B1F915-1FA0-4F0E-A38C-7FC002638352}"/>
+              </a:ext>
+            </a:extLst>
+          </p:cNvPr>
+          <p:cNvSpPr>
+            <a:spLocks noGrp="1"/>
+          </p:cNvSpPr>
+          <p:nvPr>
+            <p:ph idx="1"/>
+          </p:nvPr>
+        </p:nvSpPr>
+        <p:spPr>
+          <a:xfrm>
+            <a:off x="838200" y="1690688"/>
+            <a:ext cx="10515600" cy="4486275"/>
+          </a:xfrm>
+        </p:spPr>
+        <p:txBody>
+          <a:bodyPr/>
+          <a:lstStyle/>
+          <a:p>
+            <a:r>
+              <a:rPr lang="en-US" sz="2400" dirty="0"/>
+              <a:t>Here’s an example, where we ask the user to enter student names:</a:t>
+            </a:r>
+          </a:p>
+          <a:p>
+            <a:endParaRPr lang="en-US" sz="2400" dirty="0"/>
+          </a:p>
+          <a:p>
+            <a:pPr marL="457200" lvl="1" indent="0">
+              <a:buNone/>
+            </a:pPr>
+            <a:r>
+              <a:rPr lang="en-US" b="1" dirty="0">
+                <a:latin typeface="Courier New" panose="02070309020205020404" pitchFamily="49" charset="0"/>
+                <a:cs typeface="Courier New" panose="02070309020205020404" pitchFamily="49" charset="0"/>
+              </a:rPr>
+              <a:t>students = []</a:t>
+            </a:r>
+          </a:p>
+          <a:p>
+            <a:pPr marL="457200" lvl="1" indent="0">
+              <a:buNone/>
+            </a:pPr>
+            <a:r>
+              <a:rPr lang="en-US" b="1" dirty="0">
+                <a:latin typeface="Courier New" panose="02070309020205020404" pitchFamily="49" charset="0"/>
+                <a:cs typeface="Courier New" panose="02070309020205020404" pitchFamily="49" charset="0"/>
+              </a:rPr>
+              <a:t>name = </a:t>
+            </a:r>
+            <a:r>
+              <a:rPr lang="en-US" b="1" dirty="0">
+                <a:solidFill>
+                  <a:srgbClr val="C00000"/>
+                </a:solidFill>
+                <a:latin typeface="Courier New" panose="02070309020205020404" pitchFamily="49" charset="0"/>
+                <a:cs typeface="Courier New" panose="02070309020205020404" pitchFamily="49" charset="0"/>
+              </a:rPr>
+              <a:t>input</a:t>
+            </a:r>
+            <a:r>
+              <a:rPr lang="en-US" b="1" dirty="0">
+                <a:latin typeface="Courier New" panose="02070309020205020404" pitchFamily="49" charset="0"/>
+                <a:cs typeface="Courier New" panose="02070309020205020404" pitchFamily="49" charset="0"/>
+              </a:rPr>
+              <a:t>(</a:t>
+            </a:r>
+            <a:r>
+              <a:rPr lang="en-US" b="1" dirty="0">
+                <a:solidFill>
+                  <a:srgbClr val="008000"/>
+                </a:solidFill>
+                <a:latin typeface="Courier New" panose="02070309020205020404" pitchFamily="49" charset="0"/>
+                <a:cs typeface="Courier New" panose="02070309020205020404" pitchFamily="49" charset="0"/>
+              </a:rPr>
+              <a:t>"Please enter a student, or 'QUIT' to stop: "</a:t>
+            </a:r>
+            <a:r>
+              <a:rPr lang="en-US" b="1" dirty="0">
+                <a:latin typeface="Courier New" panose="02070309020205020404" pitchFamily="49" charset="0"/>
+                <a:cs typeface="Courier New" panose="02070309020205020404" pitchFamily="49" charset="0"/>
+              </a:rPr>
+              <a:t>)</a:t>
+            </a:r>
+          </a:p>
+          <a:p>
+            <a:pPr marL="457200" lvl="1" indent="0">
+              <a:buNone/>
+            </a:pPr>
+            <a:endParaRPr lang="en-US" b="1" dirty="0">
+              <a:latin typeface="Courier New" panose="02070309020205020404" pitchFamily="49" charset="0"/>
+              <a:cs typeface="Courier New" panose="02070309020205020404" pitchFamily="49" charset="0"/>
+            </a:endParaRPr>
+          </a:p>
+          <a:p>
+            <a:pPr marL="457200" lvl="1" indent="0">
+              <a:buNone/>
+            </a:pPr>
+            <a:endParaRPr lang="en-US" b="1" dirty="0">
+              <a:latin typeface="Courier New" panose="02070309020205020404" pitchFamily="49" charset="0"/>
+              <a:cs typeface="Courier New" panose="02070309020205020404" pitchFamily="49" charset="0"/>
+            </a:endParaRPr>
+          </a:p>
+          <a:p>
+            <a:pPr marL="457200" lvl="1" indent="0">
+              <a:buNone/>
+            </a:pPr>
+            <a:r>
+              <a:rPr lang="en-US" b="1" dirty="0">
+                <a:solidFill>
+                  <a:srgbClr val="0000CC"/>
+                </a:solidFill>
+                <a:latin typeface="Courier New" panose="02070309020205020404" pitchFamily="49" charset="0"/>
+                <a:cs typeface="Courier New" panose="02070309020205020404" pitchFamily="49" charset="0"/>
+              </a:rPr>
+              <a:t>while </a:t>
+            </a:r>
+            <a:r>
+              <a:rPr lang="en-US" b="1" dirty="0">
+                <a:latin typeface="Courier New" panose="02070309020205020404" pitchFamily="49" charset="0"/>
+                <a:cs typeface="Courier New" panose="02070309020205020404" pitchFamily="49" charset="0"/>
+              </a:rPr>
+              <a:t>name != </a:t>
+            </a:r>
+            <a:r>
+              <a:rPr lang="en-US" b="1" dirty="0">
+                <a:solidFill>
+                  <a:srgbClr val="008000"/>
+                </a:solidFill>
+                <a:latin typeface="Courier New" panose="02070309020205020404" pitchFamily="49" charset="0"/>
+                <a:cs typeface="Courier New" panose="02070309020205020404" pitchFamily="49" charset="0"/>
+              </a:rPr>
+              <a:t>"QUIT"</a:t>
+            </a:r>
+            <a:r>
+              <a:rPr lang="en-US" b="1" dirty="0">
+                <a:latin typeface="Courier New" panose="02070309020205020404" pitchFamily="49" charset="0"/>
+                <a:cs typeface="Courier New" panose="02070309020205020404" pitchFamily="49" charset="0"/>
+              </a:rPr>
+              <a:t>:</a:t>
+            </a:r>
+          </a:p>
+          <a:p>
+            <a:pPr marL="457200" lvl="1" indent="0">
+              <a:buNone/>
+            </a:pPr>
+            <a:r>
+              <a:rPr lang="en-US" b="1" dirty="0">
+                <a:latin typeface="Courier New" panose="02070309020205020404" pitchFamily="49" charset="0"/>
+                <a:cs typeface="Courier New" panose="02070309020205020404" pitchFamily="49" charset="0"/>
+              </a:rPr>
+              <a:t>    </a:t>
+            </a:r>
+            <a:r>
+              <a:rPr lang="en-US" b="1" dirty="0" err="1">
+                <a:latin typeface="Courier New" panose="02070309020205020404" pitchFamily="49" charset="0"/>
+                <a:cs typeface="Courier New" panose="02070309020205020404" pitchFamily="49" charset="0"/>
+              </a:rPr>
+              <a:t>students.append</a:t>
+            </a:r>
+            <a:r>
+              <a:rPr lang="en-US" b="1" dirty="0">
+                <a:latin typeface="Courier New" panose="02070309020205020404" pitchFamily="49" charset="0"/>
+                <a:cs typeface="Courier New" panose="02070309020205020404" pitchFamily="49" charset="0"/>
+              </a:rPr>
+              <a:t>(name)</a:t>
+            </a:r>
+          </a:p>
+          <a:p>
+            <a:pPr marL="457200" lvl="1" indent="0">
+              <a:buNone/>
+            </a:pPr>
+            <a:r>
+              <a:rPr lang="en-US" b="1" dirty="0">
+                <a:latin typeface="Courier New" panose="02070309020205020404" pitchFamily="49" charset="0"/>
+                <a:cs typeface="Courier New" panose="02070309020205020404" pitchFamily="49" charset="0"/>
+              </a:rPr>
+              <a:t>    name = </a:t>
+            </a:r>
+            <a:r>
+              <a:rPr lang="en-US" b="1" dirty="0">
+                <a:solidFill>
+                  <a:srgbClr val="C00000"/>
+                </a:solidFill>
+                <a:latin typeface="Courier New" panose="02070309020205020404" pitchFamily="49" charset="0"/>
+                <a:cs typeface="Courier New" panose="02070309020205020404" pitchFamily="49" charset="0"/>
+              </a:rPr>
+              <a:t>input</a:t>
+            </a:r>
+            <a:r>
+              <a:rPr lang="en-US" b="1" dirty="0">
+                <a:latin typeface="Courier New" panose="02070309020205020404" pitchFamily="49" charset="0"/>
+                <a:cs typeface="Courier New" panose="02070309020205020404" pitchFamily="49" charset="0"/>
+              </a:rPr>
+              <a:t>(</a:t>
+            </a:r>
+            <a:r>
+              <a:rPr lang="en-US" b="1" dirty="0">
+                <a:solidFill>
+                  <a:srgbClr val="008000"/>
+                </a:solidFill>
+                <a:latin typeface="Courier New" panose="02070309020205020404" pitchFamily="49" charset="0"/>
+                <a:cs typeface="Courier New" panose="02070309020205020404" pitchFamily="49" charset="0"/>
+              </a:rPr>
+              <a:t>"Please enter a student, or 'QUIT' to stop: "</a:t>
+            </a:r>
+            <a:r>
+              <a:rPr lang="en-US" b="1" dirty="0">
+                <a:latin typeface="Courier New" panose="02070309020205020404" pitchFamily="49" charset="0"/>
+                <a:cs typeface="Courier New" panose="02070309020205020404" pitchFamily="49" charset="0"/>
+              </a:rPr>
+              <a:t>)</a:t>
+            </a:r>
+          </a:p>
+          <a:p>
+            <a:endParaRPr lang="en-US" dirty="0"/>
+          </a:p>
+        </p:txBody>
+      </p:sp>
+    </p:spTree>
+    <p:extLst>
+      <p:ext uri="{BB962C8B-B14F-4D97-AF65-F5344CB8AC3E}">
+        <p14:creationId xmlns:p14="http://schemas.microsoft.com/office/powerpoint/2010/main" val="4117395886"/>
+      </p:ext>
+    </p:extLst>
+  </p:cSld>
+  <p:clrMapOvr>
+    <a:masterClrMapping/>
+  </p:clrMapOvr>
+</p:sld>
+</file>
+
+<file path=ppt/slides/slide38.xml><?xml version="1.0" encoding="utf-8"?>
+<p:sld xmlns:a="http://schemas.openxmlformats.org/drawingml/2006/main" xmlns:r="http://schemas.openxmlformats.org/officeDocument/2006/relationships" xmlns:p="http://schemas.openxmlformats.org/presentationml/2006/main">
+  <p:cSld>
+    <p:bg>
+      <p:bgPr>
+        <a:solidFill>
+          <a:schemeClr val="bg1"/>
+        </a:solidFill>
+        <a:effectLst/>
+      </p:bgPr>
+    </p:bg>
+    <p:spTree>
+      <p:nvGrpSpPr>
+        <p:cNvPr id="1" name=""/>
+        <p:cNvGrpSpPr/>
+        <p:nvPr/>
+      </p:nvGrpSpPr>
+      <p:grpSpPr>
+        <a:xfrm>
+          <a:off x="0" y="0"/>
+          <a:ext cx="0" cy="0"/>
+          <a:chOff x="0" y="0"/>
+          <a:chExt cx="0" cy="0"/>
+        </a:xfrm>
+      </p:grpSpPr>
+      <p:pic>
+        <p:nvPicPr>
+          <p:cNvPr id="5" name="Content Placeholder 4">
+            <a:extLst>
+              <a:ext uri="{FF2B5EF4-FFF2-40B4-BE49-F238E27FC236}">
+                <a16:creationId xmlns:a16="http://schemas.microsoft.com/office/drawing/2014/main" id="{0B876E99-B69C-4BA9-A4BB-3D6405799A5A}"/>
+              </a:ext>
+            </a:extLst>
+          </p:cNvPr>
+          <p:cNvPicPr>
+            <a:picLocks noGrp="1" noChangeAspect="1"/>
+          </p:cNvPicPr>
+          <p:nvPr>
+            <p:ph idx="1"/>
+          </p:nvPr>
+        </p:nvPicPr>
+        <p:blipFill>
+          <a:blip r:embed="rId2">
+            <a:extLst>
+              <a:ext uri="{28A0092B-C50C-407E-A947-70E740481C1C}">
+                <a14:useLocalDpi xmlns:a14="http://schemas.microsoft.com/office/drawing/2010/main" val="0"/>
+              </a:ext>
+            </a:extLst>
+          </a:blip>
+          <a:stretch>
+            <a:fillRect/>
+          </a:stretch>
+        </p:blipFill>
+        <p:spPr>
+          <a:xfrm>
+            <a:off x="1016047" y="643466"/>
+            <a:ext cx="10159905" cy="5571067"/>
+          </a:xfrm>
+          <a:prstGeom prst="rect">
+            <a:avLst/>
+          </a:prstGeom>
+        </p:spPr>
+      </p:pic>
+    </p:spTree>
+    <p:extLst>
+      <p:ext uri="{BB962C8B-B14F-4D97-AF65-F5344CB8AC3E}">
+        <p14:creationId xmlns:p14="http://schemas.microsoft.com/office/powerpoint/2010/main" val="1273069778"/>
+      </p:ext>
+    </p:extLst>
+  </p:cSld>
+  <p:clrMapOvr>
+    <a:masterClrMapping/>
+  </p:clrMapOvr>
+</p:sld>
+</file>
+
+<file path=ppt/slides/slide39.xml><?xml version="1.0" encoding="utf-8"?>
+<p:sld xmlns:a="http://schemas.openxmlformats.org/drawingml/2006/main" xmlns:r="http://schemas.openxmlformats.org/officeDocument/2006/relationships" xmlns:p="http://schemas.openxmlformats.org/presentationml/2006/main">
+  <p:cSld>
+    <p:bg>
+      <p:bgPr>
+        <a:solidFill>
+          <a:schemeClr val="bg1"/>
+        </a:solidFill>
+        <a:effectLst/>
+      </p:bgPr>
+    </p:bg>
+    <p:spTree>
+      <p:nvGrpSpPr>
+        <p:cNvPr id="1" name=""/>
+        <p:cNvGrpSpPr/>
+        <p:nvPr/>
+      </p:nvGrpSpPr>
+      <p:grpSpPr>
+        <a:xfrm>
+          <a:off x="0" y="0"/>
+          <a:ext cx="0" cy="0"/>
+          <a:chOff x="0" y="0"/>
+          <a:chExt cx="0" cy="0"/>
+        </a:xfrm>
+      </p:grpSpPr>
+      <p:pic>
+        <p:nvPicPr>
+          <p:cNvPr id="5" name="Content Placeholder 4">
+            <a:extLst>
+              <a:ext uri="{FF2B5EF4-FFF2-40B4-BE49-F238E27FC236}">
+                <a16:creationId xmlns:a16="http://schemas.microsoft.com/office/drawing/2014/main" id="{00C582B8-32A7-4A5F-83E2-528BD6EDA7A9}"/>
+              </a:ext>
+            </a:extLst>
+          </p:cNvPr>
+          <p:cNvPicPr>
+            <a:picLocks noGrp="1" noChangeAspect="1"/>
+          </p:cNvPicPr>
+          <p:nvPr>
+            <p:ph idx="1"/>
+          </p:nvPr>
+        </p:nvPicPr>
+        <p:blipFill>
+          <a:blip r:embed="rId2">
+            <a:extLst>
+              <a:ext uri="{28A0092B-C50C-407E-A947-70E740481C1C}">
+                <a14:useLocalDpi xmlns:a14="http://schemas.microsoft.com/office/drawing/2010/main" val="0"/>
+              </a:ext>
+            </a:extLst>
+          </a:blip>
+          <a:stretch>
+            <a:fillRect/>
+          </a:stretch>
+        </p:blipFill>
+        <p:spPr>
+          <a:xfrm>
+            <a:off x="1639147" y="643466"/>
+            <a:ext cx="8913706" cy="5571067"/>
+          </a:xfrm>
+          <a:prstGeom prst="rect">
+            <a:avLst/>
+          </a:prstGeom>
+        </p:spPr>
+      </p:pic>
+    </p:spTree>
+    <p:extLst>
+      <p:ext uri="{BB962C8B-B14F-4D97-AF65-F5344CB8AC3E}">
+        <p14:creationId xmlns:p14="http://schemas.microsoft.com/office/powerpoint/2010/main" val="2222631321"/>
+      </p:ext>
+    </p:extLst>
+  </p:cSld>
+  <p:clrMapOvr>
+    <a:masterClrMapping/>
+  </p:clrMapOvr>
+</p:sld>
+</file>
+
+<file path=ppt/slides/slide4.xml><?xml version="1.0" encoding="utf-8"?>
+<p:sld xmlns:a="http://schemas.openxmlformats.org/drawingml/2006/main" xmlns:r="http://schemas.openxmlformats.org/officeDocument/2006/relationships" xmlns:p="http://schemas.openxmlformats.org/presentationml/2006/main">
+  <p:cSld>
+    <p:spTree>
+      <p:nvGrpSpPr>
+        <p:cNvPr id="1" name=""/>
+        <p:cNvGrpSpPr/>
+        <p:nvPr/>
+      </p:nvGrpSpPr>
+      <p:grpSpPr>
+        <a:xfrm>
+          <a:off x="0" y="0"/>
+          <a:ext cx="0" cy="0"/>
+          <a:chOff x="0" y="0"/>
+          <a:chExt cx="0" cy="0"/>
+        </a:xfrm>
+      </p:grpSpPr>
+      <p:sp>
+        <p:nvSpPr>
+          <p:cNvPr id="2" name="Title 1">
+            <a:extLst>
+              <a:ext uri="{FF2B5EF4-FFF2-40B4-BE49-F238E27FC236}">
+                <a16:creationId xmlns:a16="http://schemas.microsoft.com/office/drawing/2014/main" id="{DC03DC3D-1116-43CB-B198-A0BFC4EEF8E6}"/>
+              </a:ext>
+            </a:extLst>
+          </p:cNvPr>
+          <p:cNvSpPr>
+            <a:spLocks noGrp="1"/>
+          </p:cNvSpPr>
+          <p:nvPr>
+            <p:ph type="title"/>
+          </p:nvPr>
+        </p:nvSpPr>
+        <p:spPr/>
+        <p:txBody>
+          <a:bodyPr/>
+          <a:lstStyle/>
+          <a:p>
+            <a:r>
+              <a:rPr lang="en-US" b="1" dirty="0"/>
+              <a:t>Exercise: Average Three Numbers </a:t>
+            </a:r>
+          </a:p>
+        </p:txBody>
+      </p:sp>
+      <p:sp>
+        <p:nvSpPr>
+          <p:cNvPr id="3" name="Content Placeholder 2">
+            <a:extLst>
+              <a:ext uri="{FF2B5EF4-FFF2-40B4-BE49-F238E27FC236}">
+                <a16:creationId xmlns:a16="http://schemas.microsoft.com/office/drawing/2014/main" id="{17EB7293-D3D9-42D4-A21B-CD4207D44D93}"/>
+              </a:ext>
+            </a:extLst>
+          </p:cNvPr>
+          <p:cNvSpPr>
+            <a:spLocks noGrp="1"/>
+          </p:cNvSpPr>
+          <p:nvPr>
+            <p:ph idx="1"/>
+          </p:nvPr>
+        </p:nvSpPr>
+        <p:spPr/>
+        <p:txBody>
+          <a:bodyPr/>
+          <a:lstStyle/>
+          <a:p>
+            <a:pPr marL="0" indent="0">
+              <a:buNone/>
+            </a:pPr>
+            <a:r>
+              <a:rPr lang="en-US" dirty="0"/>
+              <a:t>• Read in three numbers and average them </a:t>
+            </a:r>
+          </a:p>
+          <a:p>
+            <a:pPr marL="0" indent="0">
+              <a:buNone/>
+            </a:pPr>
+            <a:r>
+              <a:rPr lang="en-US" dirty="0"/>
+              <a:t>   num1 = </a:t>
+            </a:r>
+            <a:r>
+              <a:rPr lang="en-US" dirty="0">
+                <a:solidFill>
+                  <a:srgbClr val="FF0000"/>
+                </a:solidFill>
+              </a:rPr>
+              <a:t>int</a:t>
+            </a:r>
+            <a:r>
+              <a:rPr lang="en-US" dirty="0"/>
+              <a:t>(</a:t>
+            </a:r>
+            <a:r>
+              <a:rPr lang="en-US" dirty="0">
+                <a:solidFill>
+                  <a:srgbClr val="FF0000"/>
+                </a:solidFill>
+              </a:rPr>
+              <a:t>input</a:t>
+            </a:r>
+            <a:r>
+              <a:rPr lang="en-US" dirty="0"/>
+              <a:t>("</a:t>
+            </a:r>
+            <a:r>
+              <a:rPr lang="en-US" dirty="0">
+                <a:solidFill>
+                  <a:srgbClr val="00B050"/>
+                </a:solidFill>
+              </a:rPr>
+              <a:t>Please enter a number: </a:t>
+            </a:r>
+            <a:r>
+              <a:rPr lang="en-US" dirty="0"/>
+              <a:t>")) </a:t>
+            </a:r>
+          </a:p>
+          <a:p>
+            <a:pPr marL="0" indent="0">
+              <a:buNone/>
+            </a:pPr>
+            <a:r>
+              <a:rPr lang="en-US" dirty="0"/>
+              <a:t>   num2 = </a:t>
+            </a:r>
+            <a:r>
+              <a:rPr lang="en-US" dirty="0">
+                <a:solidFill>
+                  <a:srgbClr val="FF0000"/>
+                </a:solidFill>
+              </a:rPr>
+              <a:t>int</a:t>
+            </a:r>
+            <a:r>
+              <a:rPr lang="en-US" dirty="0"/>
+              <a:t>(</a:t>
+            </a:r>
+            <a:r>
+              <a:rPr lang="en-US" dirty="0">
+                <a:solidFill>
+                  <a:srgbClr val="FF0000"/>
+                </a:solidFill>
+              </a:rPr>
+              <a:t>input</a:t>
+            </a:r>
+            <a:r>
+              <a:rPr lang="en-US" dirty="0"/>
+              <a:t>("</a:t>
+            </a:r>
+            <a:r>
+              <a:rPr lang="en-US" dirty="0">
+                <a:solidFill>
+                  <a:srgbClr val="00B050"/>
+                </a:solidFill>
+              </a:rPr>
+              <a:t>Please enter a number: </a:t>
+            </a:r>
+            <a:r>
+              <a:rPr lang="en-US" dirty="0"/>
+              <a:t>")) </a:t>
+            </a:r>
+          </a:p>
+          <a:p>
+            <a:pPr marL="0" indent="0">
+              <a:buNone/>
+            </a:pPr>
+            <a:r>
+              <a:rPr lang="en-US" dirty="0"/>
+              <a:t>   num3 = </a:t>
+            </a:r>
+            <a:r>
+              <a:rPr lang="en-US" dirty="0">
+                <a:solidFill>
+                  <a:srgbClr val="FF0000"/>
+                </a:solidFill>
+              </a:rPr>
+              <a:t>int</a:t>
+            </a:r>
+            <a:r>
+              <a:rPr lang="en-US" dirty="0"/>
+              <a:t>(</a:t>
+            </a:r>
+            <a:r>
+              <a:rPr lang="en-US" dirty="0">
+                <a:solidFill>
+                  <a:srgbClr val="FF0000"/>
+                </a:solidFill>
+              </a:rPr>
+              <a:t>input</a:t>
+            </a:r>
+            <a:r>
+              <a:rPr lang="en-US" dirty="0"/>
+              <a:t>("</a:t>
+            </a:r>
+            <a:r>
+              <a:rPr lang="en-US" dirty="0">
+                <a:solidFill>
+                  <a:srgbClr val="00B050"/>
+                </a:solidFill>
+              </a:rPr>
+              <a:t>Please enter a number: </a:t>
+            </a:r>
+            <a:r>
+              <a:rPr lang="en-US" dirty="0"/>
+              <a:t>")) </a:t>
+            </a:r>
+          </a:p>
+          <a:p>
+            <a:pPr marL="0" indent="0">
+              <a:buNone/>
+            </a:pPr>
+            <a:r>
+              <a:rPr lang="en-US" dirty="0"/>
+              <a:t>   </a:t>
+            </a:r>
+            <a:r>
+              <a:rPr lang="en-US" dirty="0">
+                <a:solidFill>
+                  <a:srgbClr val="FF0000"/>
+                </a:solidFill>
+              </a:rPr>
+              <a:t>print</a:t>
+            </a:r>
+            <a:r>
+              <a:rPr lang="en-US" dirty="0"/>
+              <a:t>((num1 + num2 + num3) / 3)</a:t>
+            </a:r>
+          </a:p>
+          <a:p>
+            <a:pPr marL="0" indent="0">
+              <a:buNone/>
+            </a:pPr>
+            <a:endParaRPr lang="en-US" dirty="0"/>
+          </a:p>
+          <a:p>
+            <a:pPr marL="0" indent="0">
+              <a:buNone/>
+            </a:pPr>
+            <a:r>
+              <a:rPr lang="en-US" dirty="0"/>
+              <a:t>• Easy! But what if we want to do 100 numbers?  Or 1000 numbers?</a:t>
+            </a:r>
+          </a:p>
+          <a:p>
+            <a:pPr marL="0" indent="0">
+              <a:buNone/>
+            </a:pPr>
+            <a:r>
+              <a:rPr lang="en-US" dirty="0"/>
+              <a:t>• Do we want to make 1000 variables?</a:t>
+            </a:r>
+          </a:p>
+          <a:p>
+            <a:pPr marL="0" indent="0">
+              <a:buNone/>
+            </a:pPr>
+            <a:endParaRPr lang="en-US" dirty="0"/>
+          </a:p>
+          <a:p>
+            <a:pPr marL="0" indent="0">
+              <a:buNone/>
+            </a:pPr>
+            <a:endParaRPr lang="en-US" dirty="0"/>
+          </a:p>
+        </p:txBody>
+      </p:sp>
+    </p:spTree>
+    <p:extLst>
+      <p:ext uri="{BB962C8B-B14F-4D97-AF65-F5344CB8AC3E}">
+        <p14:creationId xmlns:p14="http://schemas.microsoft.com/office/powerpoint/2010/main" val="2207502096"/>
+      </p:ext>
+    </p:extLst>
+  </p:cSld>
+  <p:clrMapOvr>
+    <a:masterClrMapping/>
+  </p:clrMapOvr>
+</p:sld>
+</file>
+
+<file path=ppt/slides/slide40.xml><?xml version="1.0" encoding="utf-8"?>
+<p:sld xmlns:a="http://schemas.openxmlformats.org/drawingml/2006/main" xmlns:r="http://schemas.openxmlformats.org/officeDocument/2006/relationships" xmlns:p="http://schemas.openxmlformats.org/presentationml/2006/main">
+  <p:cSld>
+    <p:spTree>
+      <p:nvGrpSpPr>
+        <p:cNvPr id="1" name=""/>
+        <p:cNvGrpSpPr/>
+        <p:nvPr/>
+      </p:nvGrpSpPr>
+      <p:grpSpPr>
+        <a:xfrm>
+          <a:off x="0" y="0"/>
+          <a:ext cx="0" cy="0"/>
+          <a:chOff x="0" y="0"/>
+          <a:chExt cx="0" cy="0"/>
+        </a:xfrm>
+      </p:grpSpPr>
+      <p:sp>
+        <p:nvSpPr>
+          <p:cNvPr id="2" name="Title 1">
+            <a:extLst>
+              <a:ext uri="{FF2B5EF4-FFF2-40B4-BE49-F238E27FC236}">
+                <a16:creationId xmlns:a16="http://schemas.microsoft.com/office/drawing/2014/main" id="{7EC034A5-532F-437F-A66A-CBCF6CB63070}"/>
+              </a:ext>
+            </a:extLst>
+          </p:cNvPr>
+          <p:cNvSpPr>
+            <a:spLocks noGrp="1"/>
+          </p:cNvSpPr>
+          <p:nvPr>
+            <p:ph type="title"/>
+          </p:nvPr>
+        </p:nvSpPr>
+        <p:spPr>
+          <a:xfrm>
+            <a:off x="2780127" y="2362737"/>
+            <a:ext cx="6631745" cy="1325563"/>
+          </a:xfrm>
+        </p:spPr>
+        <p:txBody>
+          <a:bodyPr/>
+          <a:lstStyle/>
+          <a:p>
+            <a:r>
+              <a:rPr lang="en-US" dirty="0"/>
+              <a:t>Membership </a:t>
+            </a:r>
+            <a:r>
+              <a:rPr lang="en-US" b="1" dirty="0"/>
+              <a:t>“in” </a:t>
+            </a:r>
+            <a:r>
+              <a:rPr lang="en-US" dirty="0"/>
+              <a:t>Operator</a:t>
+            </a:r>
+          </a:p>
+        </p:txBody>
+      </p:sp>
+    </p:spTree>
+    <p:extLst>
+      <p:ext uri="{BB962C8B-B14F-4D97-AF65-F5344CB8AC3E}">
+        <p14:creationId xmlns:p14="http://schemas.microsoft.com/office/powerpoint/2010/main" val="852225997"/>
+      </p:ext>
+    </p:extLst>
+  </p:cSld>
+  <p:clrMapOvr>
+    <a:masterClrMapping/>
+  </p:clrMapOvr>
+</p:sld>
+</file>
+
+<file path=ppt/slides/slide41.xml><?xml version="1.0" encoding="utf-8"?>
+<p:sld xmlns:a="http://schemas.openxmlformats.org/drawingml/2006/main" xmlns:r="http://schemas.openxmlformats.org/officeDocument/2006/relationships" xmlns:p="http://schemas.openxmlformats.org/presentationml/2006/main">
+  <p:cSld>
+    <p:spTree>
+      <p:nvGrpSpPr>
+        <p:cNvPr id="1" name=""/>
+        <p:cNvGrpSpPr/>
+        <p:nvPr/>
+      </p:nvGrpSpPr>
+      <p:grpSpPr>
+        <a:xfrm>
+          <a:off x="0" y="0"/>
+          <a:ext cx="0" cy="0"/>
+          <a:chOff x="0" y="0"/>
+          <a:chExt cx="0" cy="0"/>
+        </a:xfrm>
+      </p:grpSpPr>
+      <p:sp>
+        <p:nvSpPr>
+          <p:cNvPr id="2" name="Title 1">
+            <a:extLst>
+              <a:ext uri="{FF2B5EF4-FFF2-40B4-BE49-F238E27FC236}">
                 <a16:creationId xmlns:a16="http://schemas.microsoft.com/office/drawing/2014/main" id="{6299EB38-0849-4100-A1C3-416129BBC601}"/>
               </a:ext>
             </a:extLst>
@@ -8474,7 +9596,7 @@
 </p:sld>
 </file>
 
-<file path=ppt/slides/slide36.xml><?xml version="1.0" encoding="utf-8"?>
+<file path=ppt/slides/slide42.xml><?xml version="1.0" encoding="utf-8"?>
 <p:sld xmlns:a="http://schemas.openxmlformats.org/drawingml/2006/main" xmlns:r="http://schemas.openxmlformats.org/officeDocument/2006/relationships" xmlns:p="http://schemas.openxmlformats.org/presentationml/2006/main">
   <p:cSld>
     <p:bg>
@@ -8678,7 +9800,7 @@
 </p:sld>
 </file>
 
-<file path=ppt/slides/slide37.xml><?xml version="1.0" encoding="utf-8"?>
+<file path=ppt/slides/slide43.xml><?xml version="1.0" encoding="utf-8"?>
 <p:sld xmlns:a="http://schemas.openxmlformats.org/drawingml/2006/main" xmlns:r="http://schemas.openxmlformats.org/officeDocument/2006/relationships" xmlns:p="http://schemas.openxmlformats.org/presentationml/2006/main">
   <p:cSld>
     <p:spTree>
@@ -8762,17 +9884,14 @@
             </a:pPr>
             <a:r>
               <a:rPr lang="en-US" dirty="0"/>
-              <a:t>   user wants, using a while loop and a sentinel value of “STOP” while</a:t>
-            </a:r>
-          </a:p>
-          <a:p>
-            <a:pPr marL="0" indent="0">
-              <a:buNone/>
-            </a:pPr>
-            <a:r>
-              <a:rPr lang="en-US" dirty="0"/>
-              <a:t>   loop and a sentinel value of “STOP” </a:t>
-            </a:r>
+              <a:t>   user wants, using a while loop and a sentinel value of “STOP” </a:t>
+            </a:r>
+          </a:p>
+          <a:p>
+            <a:pPr marL="0" indent="0">
+              <a:buNone/>
+            </a:pPr>
+            <a:endParaRPr lang="en-US" dirty="0"/>
           </a:p>
           <a:p>
             <a:pPr marL="0" indent="0">
@@ -8834,7 +9953,7 @@
 </p:sld>
 </file>
 
-<file path=ppt/slides/slide38.xml><?xml version="1.0" encoding="utf-8"?>
+<file path=ppt/slides/slide44.xml><?xml version="1.0" encoding="utf-8"?>
 <p:sld xmlns:a="http://schemas.openxmlformats.org/drawingml/2006/main" xmlns:r="http://schemas.openxmlformats.org/officeDocument/2006/relationships" xmlns:p="http://schemas.openxmlformats.org/presentationml/2006/main">
   <p:cSld>
     <p:spTree>
@@ -8888,287 +10007,6 @@
     <p:extLst>
       <p:ext uri="{BB962C8B-B14F-4D97-AF65-F5344CB8AC3E}">
         <p14:creationId xmlns:p14="http://schemas.microsoft.com/office/powerpoint/2010/main" val="3564840212"/>
-      </p:ext>
-    </p:extLst>
-  </p:cSld>
-  <p:clrMapOvr>
-    <a:masterClrMapping/>
-  </p:clrMapOvr>
-</p:sld>
-</file>
-
-<file path=ppt/slides/slide4.xml><?xml version="1.0" encoding="utf-8"?>
-<p:sld xmlns:a="http://schemas.openxmlformats.org/drawingml/2006/main" xmlns:r="http://schemas.openxmlformats.org/officeDocument/2006/relationships" xmlns:p="http://schemas.openxmlformats.org/presentationml/2006/main">
-  <p:cSld>
-    <p:spTree>
-      <p:nvGrpSpPr>
-        <p:cNvPr id="1" name=""/>
-        <p:cNvGrpSpPr/>
-        <p:nvPr/>
-      </p:nvGrpSpPr>
-      <p:grpSpPr>
-        <a:xfrm>
-          <a:off x="0" y="0"/>
-          <a:ext cx="0" cy="0"/>
-          <a:chOff x="0" y="0"/>
-          <a:chExt cx="0" cy="0"/>
-        </a:xfrm>
-      </p:grpSpPr>
-      <p:sp>
-        <p:nvSpPr>
-          <p:cNvPr id="2" name="Title 1">
-            <a:extLst>
-              <a:ext uri="{FF2B5EF4-FFF2-40B4-BE49-F238E27FC236}">
-                <a16:creationId xmlns:a16="http://schemas.microsoft.com/office/drawing/2014/main" id="{DC03DC3D-1116-43CB-B198-A0BFC4EEF8E6}"/>
-              </a:ext>
-            </a:extLst>
-          </p:cNvPr>
-          <p:cNvSpPr>
-            <a:spLocks noGrp="1"/>
-          </p:cNvSpPr>
-          <p:nvPr>
-            <p:ph type="title"/>
-          </p:nvPr>
-        </p:nvSpPr>
-        <p:spPr/>
-        <p:txBody>
-          <a:bodyPr/>
-          <a:lstStyle/>
-          <a:p>
-            <a:r>
-              <a:rPr lang="en-US" b="1" dirty="0"/>
-              <a:t>Exercise: Average Three Numbers </a:t>
-            </a:r>
-          </a:p>
-        </p:txBody>
-      </p:sp>
-      <p:sp>
-        <p:nvSpPr>
-          <p:cNvPr id="3" name="Content Placeholder 2">
-            <a:extLst>
-              <a:ext uri="{FF2B5EF4-FFF2-40B4-BE49-F238E27FC236}">
-                <a16:creationId xmlns:a16="http://schemas.microsoft.com/office/drawing/2014/main" id="{17EB7293-D3D9-42D4-A21B-CD4207D44D93}"/>
-              </a:ext>
-            </a:extLst>
-          </p:cNvPr>
-          <p:cNvSpPr>
-            <a:spLocks noGrp="1"/>
-          </p:cNvSpPr>
-          <p:nvPr>
-            <p:ph idx="1"/>
-          </p:nvPr>
-        </p:nvSpPr>
-        <p:spPr/>
-        <p:txBody>
-          <a:bodyPr/>
-          <a:lstStyle/>
-          <a:p>
-            <a:pPr marL="0" indent="0">
-              <a:buNone/>
-            </a:pPr>
-            <a:r>
-              <a:rPr lang="en-US" dirty="0"/>
-              <a:t>• Read in three numbers and average them </a:t>
-            </a:r>
-          </a:p>
-          <a:p>
-            <a:pPr marL="0" indent="0">
-              <a:buNone/>
-            </a:pPr>
-            <a:r>
-              <a:rPr lang="en-US" dirty="0"/>
-              <a:t>   num1 = </a:t>
-            </a:r>
-            <a:r>
-              <a:rPr lang="en-US" dirty="0">
-                <a:solidFill>
-                  <a:srgbClr val="FF0000"/>
-                </a:solidFill>
-              </a:rPr>
-              <a:t>int</a:t>
-            </a:r>
-            <a:r>
-              <a:rPr lang="en-US" dirty="0"/>
-              <a:t>(</a:t>
-            </a:r>
-            <a:r>
-              <a:rPr lang="en-US" dirty="0">
-                <a:solidFill>
-                  <a:srgbClr val="FF0000"/>
-                </a:solidFill>
-              </a:rPr>
-              <a:t>input</a:t>
-            </a:r>
-            <a:r>
-              <a:rPr lang="en-US" dirty="0"/>
-              <a:t>("</a:t>
-            </a:r>
-            <a:r>
-              <a:rPr lang="en-US" dirty="0">
-                <a:solidFill>
-                  <a:srgbClr val="00B050"/>
-                </a:solidFill>
-              </a:rPr>
-              <a:t>Please enter a number: </a:t>
-            </a:r>
-            <a:r>
-              <a:rPr lang="en-US" dirty="0"/>
-              <a:t>")) </a:t>
-            </a:r>
-          </a:p>
-          <a:p>
-            <a:pPr marL="0" indent="0">
-              <a:buNone/>
-            </a:pPr>
-            <a:r>
-              <a:rPr lang="en-US" dirty="0"/>
-              <a:t>   num2 = </a:t>
-            </a:r>
-            <a:r>
-              <a:rPr lang="en-US" dirty="0">
-                <a:solidFill>
-                  <a:srgbClr val="FF0000"/>
-                </a:solidFill>
-              </a:rPr>
-              <a:t>int</a:t>
-            </a:r>
-            <a:r>
-              <a:rPr lang="en-US" dirty="0"/>
-              <a:t>(</a:t>
-            </a:r>
-            <a:r>
-              <a:rPr lang="en-US" dirty="0">
-                <a:solidFill>
-                  <a:srgbClr val="FF0000"/>
-                </a:solidFill>
-              </a:rPr>
-              <a:t>input</a:t>
-            </a:r>
-            <a:r>
-              <a:rPr lang="en-US" dirty="0"/>
-              <a:t>("</a:t>
-            </a:r>
-            <a:r>
-              <a:rPr lang="en-US" dirty="0">
-                <a:solidFill>
-                  <a:srgbClr val="00B050"/>
-                </a:solidFill>
-              </a:rPr>
-              <a:t>Please enter a number: </a:t>
-            </a:r>
-            <a:r>
-              <a:rPr lang="en-US" dirty="0"/>
-              <a:t>")) </a:t>
-            </a:r>
-          </a:p>
-          <a:p>
-            <a:pPr marL="0" indent="0">
-              <a:buNone/>
-            </a:pPr>
-            <a:r>
-              <a:rPr lang="en-US" dirty="0"/>
-              <a:t>   num3 = </a:t>
-            </a:r>
-            <a:r>
-              <a:rPr lang="en-US" dirty="0">
-                <a:solidFill>
-                  <a:srgbClr val="FF0000"/>
-                </a:solidFill>
-              </a:rPr>
-              <a:t>int</a:t>
-            </a:r>
-            <a:r>
-              <a:rPr lang="en-US" dirty="0"/>
-              <a:t>(</a:t>
-            </a:r>
-            <a:r>
-              <a:rPr lang="en-US" dirty="0">
-                <a:solidFill>
-                  <a:srgbClr val="FF0000"/>
-                </a:solidFill>
-              </a:rPr>
-              <a:t>input</a:t>
-            </a:r>
-            <a:r>
-              <a:rPr lang="en-US" dirty="0"/>
-              <a:t>("</a:t>
-            </a:r>
-            <a:r>
-              <a:rPr lang="en-US" dirty="0">
-                <a:solidFill>
-                  <a:srgbClr val="00B050"/>
-                </a:solidFill>
-              </a:rPr>
-              <a:t>Please enter a number: </a:t>
-            </a:r>
-            <a:r>
-              <a:rPr lang="en-US" dirty="0"/>
-              <a:t>")) </a:t>
-            </a:r>
-          </a:p>
-          <a:p>
-            <a:pPr marL="0" indent="0">
-              <a:buNone/>
-            </a:pPr>
-            <a:r>
-              <a:rPr lang="en-US" dirty="0"/>
-              <a:t>   </a:t>
-            </a:r>
-            <a:r>
-              <a:rPr lang="en-US" dirty="0">
-                <a:solidFill>
-                  <a:srgbClr val="FF0000"/>
-                </a:solidFill>
-              </a:rPr>
-              <a:t>print</a:t>
-            </a:r>
-            <a:r>
-              <a:rPr lang="en-US" dirty="0"/>
-              <a:t>((num1 + num2 + num3) / 3)</a:t>
-            </a:r>
-          </a:p>
-          <a:p>
-            <a:pPr marL="0" indent="0">
-              <a:buNone/>
-            </a:pPr>
-            <a:endParaRPr lang="en-US" dirty="0"/>
-          </a:p>
-          <a:p>
-            <a:pPr marL="0" indent="0">
-              <a:buNone/>
-            </a:pPr>
-            <a:r>
-              <a:rPr lang="en-US" dirty="0"/>
-              <a:t>• Easy! But what if we want to do 100 numbers?  Or 1000 numbers?</a:t>
-            </a:r>
-          </a:p>
-          <a:p>
-            <a:pPr marL="0" indent="0">
-              <a:buNone/>
-            </a:pPr>
-            <a:r>
-              <a:rPr lang="en-US" dirty="0"/>
-              <a:t>• Do we want to make 1000 variables?</a:t>
-            </a:r>
-          </a:p>
-          <a:p>
-            <a:pPr marL="0" indent="0">
-              <a:buNone/>
-            </a:pPr>
-            <a:endParaRPr lang="en-US" dirty="0"/>
-          </a:p>
-          <a:p>
-            <a:pPr marL="0" indent="0">
-              <a:buNone/>
-            </a:pPr>
-            <a:endParaRPr lang="en-US" dirty="0"/>
-          </a:p>
-        </p:txBody>
-      </p:sp>
-    </p:spTree>
-    <p:extLst>
-      <p:ext uri="{BB962C8B-B14F-4D97-AF65-F5344CB8AC3E}">
-        <p14:creationId xmlns:p14="http://schemas.microsoft.com/office/powerpoint/2010/main" val="2207502096"/>
       </p:ext>
     </p:extLst>
   </p:cSld>

--- a/PYTHON_8_Lists Part 1.pptx
+++ b/PYTHON_8_Lists Part 1.pptx
@@ -37,18 +37,17 @@
     <p:sldId id="320" r:id="rId31"/>
     <p:sldId id="321" r:id="rId32"/>
     <p:sldId id="322" r:id="rId33"/>
-    <p:sldId id="323" r:id="rId34"/>
-    <p:sldId id="334" r:id="rId35"/>
-    <p:sldId id="335" r:id="rId36"/>
-    <p:sldId id="336" r:id="rId37"/>
-    <p:sldId id="337" r:id="rId38"/>
-    <p:sldId id="338" r:id="rId39"/>
-    <p:sldId id="339" r:id="rId40"/>
-    <p:sldId id="324" r:id="rId41"/>
-    <p:sldId id="325" r:id="rId42"/>
-    <p:sldId id="326" r:id="rId43"/>
-    <p:sldId id="327" r:id="rId44"/>
-    <p:sldId id="291" r:id="rId45"/>
+    <p:sldId id="334" r:id="rId34"/>
+    <p:sldId id="335" r:id="rId35"/>
+    <p:sldId id="336" r:id="rId36"/>
+    <p:sldId id="337" r:id="rId37"/>
+    <p:sldId id="338" r:id="rId38"/>
+    <p:sldId id="339" r:id="rId39"/>
+    <p:sldId id="324" r:id="rId40"/>
+    <p:sldId id="325" r:id="rId41"/>
+    <p:sldId id="326" r:id="rId42"/>
+    <p:sldId id="327" r:id="rId43"/>
+    <p:sldId id="291" r:id="rId44"/>
   </p:sldIdLst>
   <p:sldSz cx="12192000" cy="6858000"/>
   <p:notesSz cx="6858000" cy="9144000"/>
@@ -7819,7 +7818,7 @@
           <p:cNvPr id="2" name="Title 1">
             <a:extLst>
               <a:ext uri="{FF2B5EF4-FFF2-40B4-BE49-F238E27FC236}">
-                <a16:creationId xmlns:a16="http://schemas.microsoft.com/office/drawing/2014/main" id="{4BAE580D-2B0F-42DF-8061-78AC8ED4785F}"/>
+                <a16:creationId xmlns:a16="http://schemas.microsoft.com/office/drawing/2014/main" id="{8A3506F2-C873-483E-B926-F4B892A68C16}"/>
               </a:ext>
             </a:extLst>
           </p:cNvPr>
@@ -7830,210 +7829,38 @@
             <p:ph type="title"/>
           </p:nvPr>
         </p:nvSpPr>
-        <p:spPr/>
+        <p:spPr>
+          <a:xfrm>
+            <a:off x="1676400" y="2390873"/>
+            <a:ext cx="10515600" cy="1325563"/>
+          </a:xfrm>
+        </p:spPr>
         <p:txBody>
           <a:bodyPr/>
           <a:lstStyle/>
           <a:p>
             <a:r>
               <a:rPr lang="en-US" dirty="0"/>
-              <a:t>Iterating Over a List </a:t>
-            </a:r>
-          </a:p>
-        </p:txBody>
-      </p:sp>
-      <p:sp>
-        <p:nvSpPr>
-          <p:cNvPr id="3" name="Content Placeholder 2">
-            <a:extLst>
-              <a:ext uri="{FF2B5EF4-FFF2-40B4-BE49-F238E27FC236}">
-                <a16:creationId xmlns:a16="http://schemas.microsoft.com/office/drawing/2014/main" id="{060B8610-75DE-477D-9200-A360BFC51C8F}"/>
-              </a:ext>
-            </a:extLst>
-          </p:cNvPr>
-          <p:cNvSpPr>
-            <a:spLocks noGrp="1"/>
-          </p:cNvSpPr>
-          <p:nvPr>
-            <p:ph idx="1"/>
-          </p:nvPr>
-        </p:nvSpPr>
-        <p:spPr/>
-        <p:txBody>
-          <a:bodyPr>
-            <a:normAutofit lnSpcReduction="10000"/>
-          </a:bodyPr>
-          <a:lstStyle/>
-          <a:p>
-            <a:pPr marL="0" indent="0">
-              <a:buNone/>
-            </a:pPr>
-            <a:r>
-              <a:rPr lang="en-US" dirty="0"/>
-              <a:t>• Now that we have our grocery list, how do we </a:t>
-            </a:r>
-            <a:r>
-              <a:rPr lang="en-US" b="1" dirty="0"/>
-              <a:t>iterate</a:t>
-            </a:r>
-            <a:r>
-              <a:rPr lang="en-US" dirty="0"/>
-              <a:t> over each</a:t>
-            </a:r>
-          </a:p>
-          <a:p>
-            <a:pPr marL="0" indent="0">
-              <a:buNone/>
-            </a:pPr>
-            <a:r>
-              <a:rPr lang="en-US" dirty="0"/>
-              <a:t>    element of the list and print out its contents?</a:t>
-            </a:r>
-          </a:p>
-          <a:p>
-            <a:pPr marL="0" indent="0">
-              <a:buNone/>
-            </a:pPr>
-            <a:r>
-              <a:rPr lang="en-US" dirty="0"/>
-              <a:t>    list and print out its contents?</a:t>
-            </a:r>
-          </a:p>
-          <a:p>
-            <a:pPr marL="0" indent="0">
-              <a:buNone/>
-            </a:pPr>
-            <a:r>
-              <a:rPr lang="en-US" dirty="0"/>
-              <a:t>     –Hint: Use a </a:t>
-            </a:r>
-            <a:r>
-              <a:rPr lang="en-US" b="1" dirty="0"/>
-              <a:t>while</a:t>
-            </a:r>
-            <a:r>
-              <a:rPr lang="en-US" dirty="0"/>
-              <a:t> loop and the </a:t>
-            </a:r>
-            <a:r>
-              <a:rPr lang="en-US" b="1" dirty="0" err="1"/>
-              <a:t>len</a:t>
-            </a:r>
-            <a:r>
-              <a:rPr lang="en-US" b="1" dirty="0"/>
-              <a:t>() </a:t>
-            </a:r>
-            <a:r>
-              <a:rPr lang="en-US" dirty="0"/>
-              <a:t>function! </a:t>
-            </a:r>
-          </a:p>
-          <a:p>
-            <a:pPr marL="0" indent="0">
-              <a:buNone/>
-            </a:pPr>
-            <a:endParaRPr lang="en-US" dirty="0"/>
-          </a:p>
-          <a:p>
-            <a:pPr marL="0" indent="0">
-              <a:buNone/>
-            </a:pPr>
-            <a:r>
-              <a:rPr lang="en-US" dirty="0"/>
-              <a:t>     index = 0 </a:t>
-            </a:r>
-          </a:p>
-          <a:p>
-            <a:pPr marL="0" indent="0">
-              <a:buNone/>
-            </a:pPr>
-            <a:r>
-              <a:rPr lang="en-US" dirty="0"/>
-              <a:t>     </a:t>
-            </a:r>
-            <a:r>
-              <a:rPr lang="en-US" dirty="0">
-                <a:solidFill>
-                  <a:srgbClr val="0070C0"/>
-                </a:solidFill>
-              </a:rPr>
-              <a:t>while</a:t>
-            </a:r>
-            <a:r>
-              <a:rPr lang="en-US" dirty="0"/>
-              <a:t> index &lt; </a:t>
-            </a:r>
-            <a:r>
-              <a:rPr lang="en-US" dirty="0" err="1">
-                <a:solidFill>
-                  <a:srgbClr val="FF0000"/>
-                </a:solidFill>
-              </a:rPr>
-              <a:t>len</a:t>
-            </a:r>
-            <a:r>
-              <a:rPr lang="en-US" dirty="0"/>
-              <a:t>(</a:t>
-            </a:r>
-            <a:r>
-              <a:rPr lang="en-US" dirty="0" err="1"/>
-              <a:t>groceryList</a:t>
-            </a:r>
-            <a:r>
-              <a:rPr lang="en-US" dirty="0"/>
-              <a:t>):</a:t>
-            </a:r>
-          </a:p>
-          <a:p>
-            <a:pPr marL="0" indent="0">
-              <a:buNone/>
-            </a:pPr>
-            <a:r>
-              <a:rPr lang="en-US" dirty="0"/>
-              <a:t>            </a:t>
-            </a:r>
-            <a:r>
-              <a:rPr lang="en-US" dirty="0">
-                <a:solidFill>
-                  <a:srgbClr val="FF0000"/>
-                </a:solidFill>
-              </a:rPr>
-              <a:t>print </a:t>
-            </a:r>
-            <a:r>
-              <a:rPr lang="en-US" dirty="0"/>
-              <a:t>(</a:t>
-            </a:r>
-            <a:r>
-              <a:rPr lang="en-US" dirty="0" err="1"/>
-              <a:t>groceryList</a:t>
-            </a:r>
-            <a:r>
-              <a:rPr lang="en-US" dirty="0"/>
-              <a:t>[index]) </a:t>
-            </a:r>
-          </a:p>
-          <a:p>
-            <a:pPr marL="0" indent="0">
-              <a:buNone/>
-            </a:pPr>
-            <a:r>
-              <a:rPr lang="en-US" dirty="0"/>
-              <a:t>            index += 1</a:t>
-            </a:r>
-          </a:p>
-          <a:p>
-            <a:pPr marL="0" indent="0">
-              <a:buNone/>
-            </a:pPr>
-            <a:endParaRPr lang="en-US" dirty="0"/>
+              <a:t>Sentinel Values and</a:t>
+            </a:r>
+            <a:r>
+              <a:rPr lang="en-US" b="1" dirty="0">
+                <a:latin typeface="Courier New" panose="02070309020205020404" pitchFamily="49" charset="0"/>
+                <a:cs typeface="Courier New" panose="02070309020205020404" pitchFamily="49" charset="0"/>
+              </a:rPr>
+              <a:t> while </a:t>
+            </a:r>
+            <a:r>
+              <a:rPr lang="en-US" dirty="0"/>
+              <a:t>Loops</a:t>
+            </a:r>
           </a:p>
         </p:txBody>
       </p:sp>
     </p:spTree>
     <p:extLst>
       <p:ext uri="{BB962C8B-B14F-4D97-AF65-F5344CB8AC3E}">
-        <p14:creationId xmlns:p14="http://schemas.microsoft.com/office/powerpoint/2010/main" val="20693869"/>
+        <p14:creationId xmlns:p14="http://schemas.microsoft.com/office/powerpoint/2010/main" val="2236664027"/>
       </p:ext>
     </p:extLst>
   </p:cSld>
@@ -8065,7 +7892,7 @@
           <p:cNvPr id="2" name="Title 1">
             <a:extLst>
               <a:ext uri="{FF2B5EF4-FFF2-40B4-BE49-F238E27FC236}">
-                <a16:creationId xmlns:a16="http://schemas.microsoft.com/office/drawing/2014/main" id="{8A3506F2-C873-483E-B926-F4B892A68C16}"/>
+                <a16:creationId xmlns:a16="http://schemas.microsoft.com/office/drawing/2014/main" id="{711D3BC8-4A9C-4A06-B086-4C9EBBCC2A18}"/>
               </a:ext>
             </a:extLst>
           </p:cNvPr>
@@ -8076,19 +7903,14 @@
             <p:ph type="title"/>
           </p:nvPr>
         </p:nvSpPr>
-        <p:spPr>
-          <a:xfrm>
-            <a:off x="1676400" y="2390873"/>
-            <a:ext cx="10515600" cy="1325563"/>
-          </a:xfrm>
-        </p:spPr>
+        <p:spPr/>
         <p:txBody>
           <a:bodyPr/>
           <a:lstStyle/>
           <a:p>
             <a:r>
               <a:rPr lang="en-US" dirty="0"/>
-              <a:t>Sentinel Values and</a:t>
+              <a:t>When to Use</a:t>
             </a:r>
             <a:r>
               <a:rPr lang="en-US" b="1" dirty="0">
@@ -8104,10 +7926,116 @@
           </a:p>
         </p:txBody>
       </p:sp>
+      <p:sp>
+        <p:nvSpPr>
+          <p:cNvPr id="3" name="Content Placeholder 2">
+            <a:extLst>
+              <a:ext uri="{FF2B5EF4-FFF2-40B4-BE49-F238E27FC236}">
+                <a16:creationId xmlns:a16="http://schemas.microsoft.com/office/drawing/2014/main" id="{882E350E-63AE-4AF9-89E6-7AD8894A1DC2}"/>
+              </a:ext>
+            </a:extLst>
+          </p:cNvPr>
+          <p:cNvSpPr>
+            <a:spLocks noGrp="1"/>
+          </p:cNvSpPr>
+          <p:nvPr>
+            <p:ph idx="1"/>
+          </p:nvPr>
+        </p:nvSpPr>
+        <p:spPr/>
+        <p:txBody>
+          <a:bodyPr/>
+          <a:lstStyle/>
+          <a:p>
+            <a:r>
+              <a:rPr lang="en-US" b="1" dirty="0">
+                <a:latin typeface="Courier New" panose="02070309020205020404" pitchFamily="49" charset="0"/>
+                <a:cs typeface="Courier New" panose="02070309020205020404" pitchFamily="49" charset="0"/>
+              </a:rPr>
+              <a:t>while </a:t>
+            </a:r>
+            <a:r>
+              <a:rPr lang="en-US" dirty="0"/>
+              <a:t>loops are very helpful when you:</a:t>
+            </a:r>
+          </a:p>
+          <a:p>
+            <a:pPr lvl="1"/>
+            <a:r>
+              <a:rPr lang="en-US" sz="3200" dirty="0"/>
+              <a:t>Want to get input from the user that </a:t>
+            </a:r>
+            <a:br>
+              <a:rPr lang="en-US" sz="3200" dirty="0"/>
+            </a:br>
+            <a:r>
+              <a:rPr lang="en-US" sz="3200" dirty="0"/>
+              <a:t>meets certain specific conditions</a:t>
+            </a:r>
+          </a:p>
+          <a:p>
+            <a:pPr lvl="2"/>
+            <a:r>
+              <a:rPr lang="en-US" sz="2800" dirty="0"/>
+              <a:t>Positive number</a:t>
+            </a:r>
+          </a:p>
+          <a:p>
+            <a:pPr lvl="2"/>
+            <a:r>
+              <a:rPr lang="en-US" sz="2800" dirty="0"/>
+              <a:t>A non-empty string</a:t>
+            </a:r>
+          </a:p>
+          <a:p>
+            <a:pPr lvl="2"/>
+            <a:endParaRPr lang="en-US" sz="2800" dirty="0"/>
+          </a:p>
+          <a:p>
+            <a:pPr lvl="1"/>
+            <a:r>
+              <a:rPr lang="en-US" sz="3200" dirty="0">
+                <a:solidFill>
+                  <a:srgbClr val="FF0000"/>
+                </a:solidFill>
+              </a:rPr>
+              <a:t>Want to keep getting input until some “end”</a:t>
+            </a:r>
+          </a:p>
+          <a:p>
+            <a:pPr lvl="2"/>
+            <a:r>
+              <a:rPr lang="en-US" sz="2800" dirty="0">
+                <a:solidFill>
+                  <a:srgbClr val="FF0000"/>
+                </a:solidFill>
+              </a:rPr>
+              <a:t>User inputs a value that means they’re finished</a:t>
+            </a:r>
+          </a:p>
+          <a:p>
+            <a:pPr lvl="2"/>
+            <a:r>
+              <a:rPr lang="en-US" sz="2800" dirty="0">
+                <a:solidFill>
+                  <a:srgbClr val="FF0000"/>
+                </a:solidFill>
+              </a:rPr>
+              <a:t>Reached the end of some input (a file, etc.)</a:t>
+            </a:r>
+          </a:p>
+          <a:p>
+            <a:pPr marL="0" indent="0">
+              <a:buNone/>
+            </a:pPr>
+            <a:endParaRPr lang="en-US" dirty="0"/>
+          </a:p>
+        </p:txBody>
+      </p:sp>
     </p:spTree>
     <p:extLst>
       <p:ext uri="{BB962C8B-B14F-4D97-AF65-F5344CB8AC3E}">
-        <p14:creationId xmlns:p14="http://schemas.microsoft.com/office/powerpoint/2010/main" val="2236664027"/>
+        <p14:creationId xmlns:p14="http://schemas.microsoft.com/office/powerpoint/2010/main" val="2185405340"/>
       </p:ext>
     </p:extLst>
   </p:cSld>
@@ -8139,7 +8067,7 @@
           <p:cNvPr id="2" name="Title 1">
             <a:extLst>
               <a:ext uri="{FF2B5EF4-FFF2-40B4-BE49-F238E27FC236}">
-                <a16:creationId xmlns:a16="http://schemas.microsoft.com/office/drawing/2014/main" id="{711D3BC8-4A9C-4A06-B086-4C9EBBCC2A18}"/>
+                <a16:creationId xmlns:a16="http://schemas.microsoft.com/office/drawing/2014/main" id="{24227405-4FCA-4937-B479-EE7BDC238F7F}"/>
               </a:ext>
             </a:extLst>
           </p:cNvPr>
@@ -8156,8 +8084,60 @@
           <a:lstStyle/>
           <a:p>
             <a:r>
-              <a:rPr lang="en-US" dirty="0"/>
-              <a:t>When to Use</a:t>
+              <a:rPr lang="en-US" b="1" dirty="0"/>
+              <a:t>Sentinel Values</a:t>
+            </a:r>
+          </a:p>
+        </p:txBody>
+      </p:sp>
+      <p:sp>
+        <p:nvSpPr>
+          <p:cNvPr id="3" name="Content Placeholder 2">
+            <a:extLst>
+              <a:ext uri="{FF2B5EF4-FFF2-40B4-BE49-F238E27FC236}">
+                <a16:creationId xmlns:a16="http://schemas.microsoft.com/office/drawing/2014/main" id="{18EC53A9-ED58-4578-BF3F-7B6FE9C5BC30}"/>
+              </a:ext>
+            </a:extLst>
+          </p:cNvPr>
+          <p:cNvSpPr>
+            <a:spLocks noGrp="1"/>
+          </p:cNvSpPr>
+          <p:nvPr>
+            <p:ph idx="1"/>
+          </p:nvPr>
+        </p:nvSpPr>
+        <p:spPr/>
+        <p:txBody>
+          <a:bodyPr/>
+          <a:lstStyle/>
+          <a:p>
+            <a:r>
+              <a:rPr lang="en-US" b="1" i="1" dirty="0"/>
+              <a:t>Sentinel values </a:t>
+            </a:r>
+            <a:r>
+              <a:rPr lang="en-US" dirty="0"/>
+              <a:t>“guard” the end of your input</a:t>
+            </a:r>
+          </a:p>
+          <a:p>
+            <a:r>
+              <a:rPr lang="en-US" dirty="0"/>
+              <a:t>They are used:</a:t>
+            </a:r>
+          </a:p>
+          <a:p>
+            <a:pPr lvl="1"/>
+            <a:r>
+              <a:rPr lang="en-US" dirty="0"/>
+              <a:t>When you don’t know the number of entries</a:t>
+            </a:r>
+          </a:p>
+          <a:p>
+            <a:pPr lvl="1"/>
+            <a:r>
+              <a:rPr lang="en-US" dirty="0"/>
+              <a:t>In</a:t>
             </a:r>
             <a:r>
               <a:rPr lang="en-US" b="1" dirty="0">
@@ -8168,113 +8148,80 @@
             </a:r>
             <a:r>
               <a:rPr lang="en-US" dirty="0"/>
-              <a:t>Loops</a:t>
-            </a:r>
-          </a:p>
-        </p:txBody>
-      </p:sp>
-      <p:sp>
-        <p:nvSpPr>
-          <p:cNvPr id="3" name="Content Placeholder 2">
-            <a:extLst>
-              <a:ext uri="{FF2B5EF4-FFF2-40B4-BE49-F238E27FC236}">
-                <a16:creationId xmlns:a16="http://schemas.microsoft.com/office/drawing/2014/main" id="{882E350E-63AE-4AF9-89E6-7AD8894A1DC2}"/>
-              </a:ext>
-            </a:extLst>
-          </p:cNvPr>
-          <p:cNvSpPr>
-            <a:spLocks noGrp="1"/>
-          </p:cNvSpPr>
-          <p:nvPr>
-            <p:ph idx="1"/>
-          </p:nvPr>
-        </p:nvSpPr>
-        <p:spPr/>
-        <p:txBody>
-          <a:bodyPr/>
-          <a:lstStyle/>
-          <a:p>
+              <a:t>loops to control data entry</a:t>
+            </a:r>
+          </a:p>
+          <a:p>
+            <a:pPr lvl="1"/>
+            <a:r>
+              <a:rPr lang="en-US" dirty="0"/>
+              <a:t>To let the user indicate an “end” to the data</a:t>
+            </a:r>
+          </a:p>
+          <a:p>
+            <a:endParaRPr lang="en-US" dirty="0"/>
+          </a:p>
+          <a:p>
+            <a:r>
+              <a:rPr lang="en-US" dirty="0"/>
+              <a:t>Common sentinel values include:</a:t>
+            </a:r>
+          </a:p>
+          <a:p>
+            <a:pPr lvl="1"/>
             <a:r>
               <a:rPr lang="en-US" b="1" dirty="0">
                 <a:latin typeface="Courier New" panose="02070309020205020404" pitchFamily="49" charset="0"/>
                 <a:cs typeface="Courier New" panose="02070309020205020404" pitchFamily="49" charset="0"/>
               </a:rPr>
-              <a:t>while </a:t>
-            </a:r>
-            <a:r>
-              <a:rPr lang="en-US" dirty="0"/>
-              <a:t>loops are very helpful when you:</a:t>
-            </a:r>
-          </a:p>
-          <a:p>
-            <a:pPr lvl="1"/>
-            <a:r>
-              <a:rPr lang="en-US" sz="3200" dirty="0"/>
-              <a:t>Want to get input from the user that </a:t>
-            </a:r>
-            <a:br>
-              <a:rPr lang="en-US" sz="3200" dirty="0"/>
-            </a:br>
-            <a:r>
-              <a:rPr lang="en-US" sz="3200" dirty="0"/>
-              <a:t>meets certain specific conditions</a:t>
-            </a:r>
-          </a:p>
-          <a:p>
-            <a:pPr lvl="2"/>
-            <a:r>
-              <a:rPr lang="en-US" sz="2800" dirty="0"/>
-              <a:t>Positive number</a:t>
-            </a:r>
-          </a:p>
-          <a:p>
-            <a:pPr lvl="2"/>
-            <a:r>
-              <a:rPr lang="en-US" sz="2800" dirty="0"/>
-              <a:t>A non-empty string</a:t>
-            </a:r>
-          </a:p>
-          <a:p>
-            <a:pPr lvl="2"/>
-            <a:endParaRPr lang="en-US" sz="2800" dirty="0"/>
-          </a:p>
-          <a:p>
-            <a:pPr lvl="1"/>
-            <a:r>
-              <a:rPr lang="en-US" sz="3200" dirty="0">
-                <a:solidFill>
-                  <a:srgbClr val="FF0000"/>
-                </a:solidFill>
-              </a:rPr>
-              <a:t>Want to keep getting input until some “end”</a:t>
-            </a:r>
-          </a:p>
-          <a:p>
-            <a:pPr lvl="2"/>
-            <a:r>
-              <a:rPr lang="en-US" sz="2800" dirty="0">
-                <a:solidFill>
-                  <a:srgbClr val="FF0000"/>
-                </a:solidFill>
-              </a:rPr>
-              <a:t>User inputs a value that means they’re finished</a:t>
-            </a:r>
-          </a:p>
-          <a:p>
-            <a:pPr lvl="2"/>
-            <a:r>
-              <a:rPr lang="en-US" sz="2800" dirty="0">
-                <a:solidFill>
-                  <a:srgbClr val="FF0000"/>
-                </a:solidFill>
-              </a:rPr>
-              <a:t>Reached the end of some input (a file, etc.)</a:t>
-            </a:r>
-          </a:p>
-          <a:p>
-            <a:pPr marL="0" indent="0">
-              <a:buNone/>
-            </a:pPr>
+              <a:t>STOP</a:t>
+            </a:r>
+            <a:r>
+              <a:rPr lang="en-US" dirty="0"/>
+              <a:t>,</a:t>
+            </a:r>
+            <a:r>
+              <a:rPr lang="en-US" b="1" dirty="0">
+                <a:latin typeface="Courier New" panose="02070309020205020404" pitchFamily="49" charset="0"/>
+                <a:cs typeface="Courier New" panose="02070309020205020404" pitchFamily="49" charset="0"/>
+              </a:rPr>
+              <a:t> -1</a:t>
+            </a:r>
+            <a:r>
+              <a:rPr lang="en-US" dirty="0"/>
+              <a:t>,</a:t>
+            </a:r>
+            <a:r>
+              <a:rPr lang="en-US" b="1" dirty="0">
+                <a:latin typeface="Courier New" panose="02070309020205020404" pitchFamily="49" charset="0"/>
+                <a:cs typeface="Courier New" panose="02070309020205020404" pitchFamily="49" charset="0"/>
+              </a:rPr>
+              <a:t> 0</a:t>
+            </a:r>
+            <a:r>
+              <a:rPr lang="en-US" dirty="0"/>
+              <a:t>,</a:t>
+            </a:r>
+            <a:r>
+              <a:rPr lang="en-US" b="1" dirty="0">
+                <a:latin typeface="Courier New" panose="02070309020205020404" pitchFamily="49" charset="0"/>
+                <a:cs typeface="Courier New" panose="02070309020205020404" pitchFamily="49" charset="0"/>
+              </a:rPr>
+              <a:t> QUIT</a:t>
+            </a:r>
+            <a:r>
+              <a:rPr lang="en-US" dirty="0"/>
+              <a:t>, and</a:t>
+            </a:r>
+            <a:r>
+              <a:rPr lang="en-US" b="1" dirty="0">
+                <a:latin typeface="Courier New" panose="02070309020205020404" pitchFamily="49" charset="0"/>
+                <a:cs typeface="Courier New" panose="02070309020205020404" pitchFamily="49" charset="0"/>
+              </a:rPr>
+              <a:t> EXIT</a:t>
+            </a:r>
+          </a:p>
+          <a:p>
             <a:endParaRPr lang="en-US" dirty="0"/>
           </a:p>
         </p:txBody>
@@ -8282,7 +8229,7 @@
     </p:spTree>
     <p:extLst>
       <p:ext uri="{BB962C8B-B14F-4D97-AF65-F5344CB8AC3E}">
-        <p14:creationId xmlns:p14="http://schemas.microsoft.com/office/powerpoint/2010/main" val="2185405340"/>
+        <p14:creationId xmlns:p14="http://schemas.microsoft.com/office/powerpoint/2010/main" val="2749815931"/>
       </p:ext>
     </p:extLst>
   </p:cSld>
@@ -8314,7 +8261,7 @@
           <p:cNvPr id="2" name="Title 1">
             <a:extLst>
               <a:ext uri="{FF2B5EF4-FFF2-40B4-BE49-F238E27FC236}">
-                <a16:creationId xmlns:a16="http://schemas.microsoft.com/office/drawing/2014/main" id="{24227405-4FCA-4937-B479-EE7BDC238F7F}"/>
+                <a16:creationId xmlns:a16="http://schemas.microsoft.com/office/drawing/2014/main" id="{19AFA19B-A0FE-4A05-A8C5-8B975DAD7B49}"/>
               </a:ext>
             </a:extLst>
           </p:cNvPr>
@@ -8332,7 +8279,7 @@
           <a:p>
             <a:r>
               <a:rPr lang="en-US" b="1" dirty="0"/>
-              <a:t>Sentinel Values</a:t>
+              <a:t>Sentinel Loop Example</a:t>
             </a:r>
           </a:p>
         </p:txBody>
@@ -8342,7 +8289,7 @@
           <p:cNvPr id="3" name="Content Placeholder 2">
             <a:extLst>
               <a:ext uri="{FF2B5EF4-FFF2-40B4-BE49-F238E27FC236}">
-                <a16:creationId xmlns:a16="http://schemas.microsoft.com/office/drawing/2014/main" id="{18EC53A9-ED58-4578-BF3F-7B6FE9C5BC30}"/>
+                <a16:creationId xmlns:a16="http://schemas.microsoft.com/office/drawing/2014/main" id="{52B1F915-1FA0-4F0E-A38C-7FC002638352}"/>
               </a:ext>
             </a:extLst>
           </p:cNvPr>
@@ -8353,119 +8300,209 @@
             <p:ph idx="1"/>
           </p:nvPr>
         </p:nvSpPr>
-        <p:spPr/>
+        <p:spPr>
+          <a:xfrm>
+            <a:off x="838200" y="1690688"/>
+            <a:ext cx="10515600" cy="4486275"/>
+          </a:xfrm>
+        </p:spPr>
         <p:txBody>
           <a:bodyPr/>
           <a:lstStyle/>
           <a:p>
             <a:r>
-              <a:rPr lang="en-US" b="1" i="1" dirty="0"/>
-              <a:t>Sentinel values </a:t>
-            </a:r>
-            <a:r>
-              <a:rPr lang="en-US" dirty="0"/>
-              <a:t>“guard” the end of your input</a:t>
-            </a:r>
-          </a:p>
-          <a:p>
-            <a:r>
-              <a:rPr lang="en-US" dirty="0"/>
-              <a:t>They are used:</a:t>
-            </a:r>
-          </a:p>
-          <a:p>
-            <a:pPr lvl="1"/>
-            <a:r>
-              <a:rPr lang="en-US" dirty="0"/>
-              <a:t>When you don’t know the number of entries</a:t>
-            </a:r>
-          </a:p>
-          <a:p>
-            <a:pPr lvl="1"/>
-            <a:r>
-              <a:rPr lang="en-US" dirty="0"/>
-              <a:t>In</a:t>
-            </a:r>
+              <a:rPr lang="en-US" sz="2400" dirty="0"/>
+              <a:t>Here’s an example, where we ask the user to enter student names:</a:t>
+            </a:r>
+          </a:p>
+          <a:p>
+            <a:endParaRPr lang="en-US" sz="2400" dirty="0"/>
+          </a:p>
+          <a:p>
+            <a:pPr marL="457200" lvl="1" indent="0">
+              <a:buNone/>
+            </a:pPr>
             <a:r>
               <a:rPr lang="en-US" b="1" dirty="0">
                 <a:latin typeface="Courier New" panose="02070309020205020404" pitchFamily="49" charset="0"/>
                 <a:cs typeface="Courier New" panose="02070309020205020404" pitchFamily="49" charset="0"/>
               </a:rPr>
-              <a:t> while </a:t>
-            </a:r>
-            <a:r>
-              <a:rPr lang="en-US" dirty="0"/>
-              <a:t>loops to control data entry</a:t>
-            </a:r>
-          </a:p>
-          <a:p>
-            <a:pPr lvl="1"/>
-            <a:r>
-              <a:rPr lang="en-US" dirty="0"/>
-              <a:t>To let the user indicate an “end” to the data</a:t>
-            </a:r>
-          </a:p>
-          <a:p>
-            <a:endParaRPr lang="en-US" dirty="0"/>
-          </a:p>
-          <a:p>
-            <a:r>
-              <a:rPr lang="en-US" dirty="0"/>
-              <a:t>Common sentinel values include:</a:t>
-            </a:r>
-          </a:p>
-          <a:p>
-            <a:pPr lvl="1"/>
+              <a:t>students = []</a:t>
+            </a:r>
+          </a:p>
+          <a:p>
+            <a:pPr marL="457200" lvl="1" indent="0">
+              <a:buNone/>
+            </a:pPr>
             <a:r>
               <a:rPr lang="en-US" b="1" dirty="0">
                 <a:latin typeface="Courier New" panose="02070309020205020404" pitchFamily="49" charset="0"/>
                 <a:cs typeface="Courier New" panose="02070309020205020404" pitchFamily="49" charset="0"/>
               </a:rPr>
-              <a:t>STOP</a:t>
-            </a:r>
-            <a:r>
-              <a:rPr lang="en-US" dirty="0"/>
-              <a:t>,</a:t>
+              <a:t>name = </a:t>
+            </a:r>
+            <a:r>
+              <a:rPr lang="en-US" b="1" dirty="0">
+                <a:solidFill>
+                  <a:srgbClr val="C00000"/>
+                </a:solidFill>
+                <a:latin typeface="Courier New" panose="02070309020205020404" pitchFamily="49" charset="0"/>
+                <a:cs typeface="Courier New" panose="02070309020205020404" pitchFamily="49" charset="0"/>
+              </a:rPr>
+              <a:t>input</a:t>
             </a:r>
             <a:r>
               <a:rPr lang="en-US" b="1" dirty="0">
                 <a:latin typeface="Courier New" panose="02070309020205020404" pitchFamily="49" charset="0"/>
                 <a:cs typeface="Courier New" panose="02070309020205020404" pitchFamily="49" charset="0"/>
               </a:rPr>
-              <a:t> -1</a:t>
-            </a:r>
-            <a:r>
-              <a:rPr lang="en-US" dirty="0"/>
-              <a:t>,</a:t>
+              <a:t>(</a:t>
+            </a:r>
+            <a:r>
+              <a:rPr lang="en-US" b="1" dirty="0">
+                <a:solidFill>
+                  <a:srgbClr val="008000"/>
+                </a:solidFill>
+                <a:latin typeface="Courier New" panose="02070309020205020404" pitchFamily="49" charset="0"/>
+                <a:cs typeface="Courier New" panose="02070309020205020404" pitchFamily="49" charset="0"/>
+              </a:rPr>
+              <a:t>"Please enter a student, or 'QUIT' to stop: "</a:t>
             </a:r>
             <a:r>
               <a:rPr lang="en-US" b="1" dirty="0">
                 <a:latin typeface="Courier New" panose="02070309020205020404" pitchFamily="49" charset="0"/>
                 <a:cs typeface="Courier New" panose="02070309020205020404" pitchFamily="49" charset="0"/>
               </a:rPr>
-              <a:t> 0</a:t>
-            </a:r>
-            <a:r>
-              <a:rPr lang="en-US" dirty="0"/>
-              <a:t>,</a:t>
+              <a:t>)</a:t>
+            </a:r>
+          </a:p>
+          <a:p>
+            <a:pPr marL="457200" lvl="1" indent="0">
+              <a:buNone/>
+            </a:pPr>
+            <a:endParaRPr lang="en-US" b="1" dirty="0">
+              <a:latin typeface="Courier New" panose="02070309020205020404" pitchFamily="49" charset="0"/>
+              <a:cs typeface="Courier New" panose="02070309020205020404" pitchFamily="49" charset="0"/>
+            </a:endParaRPr>
+          </a:p>
+          <a:p>
+            <a:pPr marL="457200" lvl="1" indent="0">
+              <a:buNone/>
+            </a:pPr>
+            <a:endParaRPr lang="en-US" b="1" dirty="0">
+              <a:latin typeface="Courier New" panose="02070309020205020404" pitchFamily="49" charset="0"/>
+              <a:cs typeface="Courier New" panose="02070309020205020404" pitchFamily="49" charset="0"/>
+            </a:endParaRPr>
+          </a:p>
+          <a:p>
+            <a:pPr marL="457200" lvl="1" indent="0">
+              <a:buNone/>
+            </a:pPr>
+            <a:r>
+              <a:rPr lang="en-US" b="1" dirty="0">
+                <a:solidFill>
+                  <a:srgbClr val="0000CC"/>
+                </a:solidFill>
+                <a:latin typeface="Courier New" panose="02070309020205020404" pitchFamily="49" charset="0"/>
+                <a:cs typeface="Courier New" panose="02070309020205020404" pitchFamily="49" charset="0"/>
+              </a:rPr>
+              <a:t>while </a:t>
             </a:r>
             <a:r>
               <a:rPr lang="en-US" b="1" dirty="0">
                 <a:latin typeface="Courier New" panose="02070309020205020404" pitchFamily="49" charset="0"/>
                 <a:cs typeface="Courier New" panose="02070309020205020404" pitchFamily="49" charset="0"/>
               </a:rPr>
-              <a:t> QUIT</a:t>
-            </a:r>
-            <a:r>
-              <a:rPr lang="en-US" dirty="0"/>
-              <a:t>, and</a:t>
+              <a:t>name != </a:t>
+            </a:r>
+            <a:r>
+              <a:rPr lang="en-US" b="1" dirty="0">
+                <a:solidFill>
+                  <a:srgbClr val="008000"/>
+                </a:solidFill>
+                <a:latin typeface="Courier New" panose="02070309020205020404" pitchFamily="49" charset="0"/>
+                <a:cs typeface="Courier New" panose="02070309020205020404" pitchFamily="49" charset="0"/>
+              </a:rPr>
+              <a:t>"QUIT"</a:t>
             </a:r>
             <a:r>
               <a:rPr lang="en-US" b="1" dirty="0">
                 <a:latin typeface="Courier New" panose="02070309020205020404" pitchFamily="49" charset="0"/>
                 <a:cs typeface="Courier New" panose="02070309020205020404" pitchFamily="49" charset="0"/>
               </a:rPr>
-              <a:t> EXIT</a:t>
+              <a:t>:</a:t>
+            </a:r>
+          </a:p>
+          <a:p>
+            <a:pPr marL="457200" lvl="1" indent="0">
+              <a:buNone/>
+            </a:pPr>
+            <a:r>
+              <a:rPr lang="en-US" b="1" dirty="0">
+                <a:latin typeface="Courier New" panose="02070309020205020404" pitchFamily="49" charset="0"/>
+                <a:cs typeface="Courier New" panose="02070309020205020404" pitchFamily="49" charset="0"/>
+              </a:rPr>
+              <a:t>    </a:t>
+            </a:r>
+            <a:r>
+              <a:rPr lang="en-US" b="1" dirty="0" err="1">
+                <a:latin typeface="Courier New" panose="02070309020205020404" pitchFamily="49" charset="0"/>
+                <a:cs typeface="Courier New" panose="02070309020205020404" pitchFamily="49" charset="0"/>
+              </a:rPr>
+              <a:t>students.append</a:t>
+            </a:r>
+            <a:r>
+              <a:rPr lang="en-US" b="1" dirty="0">
+                <a:latin typeface="Courier New" panose="02070309020205020404" pitchFamily="49" charset="0"/>
+                <a:cs typeface="Courier New" panose="02070309020205020404" pitchFamily="49" charset="0"/>
+              </a:rPr>
+              <a:t>(name)</a:t>
+            </a:r>
+          </a:p>
+          <a:p>
+            <a:pPr marL="457200" lvl="1" indent="0">
+              <a:buNone/>
+            </a:pPr>
+            <a:r>
+              <a:rPr lang="en-US" b="1" dirty="0">
+                <a:latin typeface="Courier New" panose="02070309020205020404" pitchFamily="49" charset="0"/>
+                <a:cs typeface="Courier New" panose="02070309020205020404" pitchFamily="49" charset="0"/>
+              </a:rPr>
+              <a:t>    name = </a:t>
+            </a:r>
+            <a:r>
+              <a:rPr lang="en-US" b="1" dirty="0">
+                <a:solidFill>
+                  <a:srgbClr val="C00000"/>
+                </a:solidFill>
+                <a:latin typeface="Courier New" panose="02070309020205020404" pitchFamily="49" charset="0"/>
+                <a:cs typeface="Courier New" panose="02070309020205020404" pitchFamily="49" charset="0"/>
+              </a:rPr>
+              <a:t>input</a:t>
+            </a:r>
+            <a:r>
+              <a:rPr lang="en-US" b="1" dirty="0">
+                <a:latin typeface="Courier New" panose="02070309020205020404" pitchFamily="49" charset="0"/>
+                <a:cs typeface="Courier New" panose="02070309020205020404" pitchFamily="49" charset="0"/>
+              </a:rPr>
+              <a:t>(</a:t>
+            </a:r>
+            <a:r>
+              <a:rPr lang="en-US" b="1" dirty="0">
+                <a:solidFill>
+                  <a:srgbClr val="008000"/>
+                </a:solidFill>
+                <a:latin typeface="Courier New" panose="02070309020205020404" pitchFamily="49" charset="0"/>
+                <a:cs typeface="Courier New" panose="02070309020205020404" pitchFamily="49" charset="0"/>
+              </a:rPr>
+              <a:t>"Please enter a student, or 'QUIT' to stop: "</a:t>
+            </a:r>
+            <a:r>
+              <a:rPr lang="en-US" b="1" dirty="0">
+                <a:latin typeface="Courier New" panose="02070309020205020404" pitchFamily="49" charset="0"/>
+                <a:cs typeface="Courier New" panose="02070309020205020404" pitchFamily="49" charset="0"/>
+              </a:rPr>
+              <a:t>)</a:t>
             </a:r>
           </a:p>
           <a:p>
@@ -8476,7 +8513,7 @@
     </p:spTree>
     <p:extLst>
       <p:ext uri="{BB962C8B-B14F-4D97-AF65-F5344CB8AC3E}">
-        <p14:creationId xmlns:p14="http://schemas.microsoft.com/office/powerpoint/2010/main" val="2749815931"/>
+        <p14:creationId xmlns:p14="http://schemas.microsoft.com/office/powerpoint/2010/main" val="4117395886"/>
       </p:ext>
     </p:extLst>
   </p:cSld>
@@ -8489,6 +8526,14 @@
 <file path=ppt/slides/slide37.xml><?xml version="1.0" encoding="utf-8"?>
 <p:sld xmlns:a="http://schemas.openxmlformats.org/drawingml/2006/main" xmlns:r="http://schemas.openxmlformats.org/officeDocument/2006/relationships" xmlns:p="http://schemas.openxmlformats.org/presentationml/2006/main">
   <p:cSld>
+    <p:bg>
+      <p:bgPr>
+        <a:solidFill>
+          <a:schemeClr val="bg1"/>
+        </a:solidFill>
+        <a:effectLst/>
+      </p:bgPr>
+    </p:bg>
     <p:spTree>
       <p:nvGrpSpPr>
         <p:cNvPr id="1" name=""/>
@@ -8503,264 +8548,48 @@
           <a:chExt cx="0" cy="0"/>
         </a:xfrm>
       </p:grpSpPr>
-      <p:sp>
-        <p:nvSpPr>
-          <p:cNvPr id="2" name="Title 1">
-            <a:extLst>
-              <a:ext uri="{FF2B5EF4-FFF2-40B4-BE49-F238E27FC236}">
-                <a16:creationId xmlns:a16="http://schemas.microsoft.com/office/drawing/2014/main" id="{19AFA19B-A0FE-4A05-A8C5-8B975DAD7B49}"/>
-              </a:ext>
-            </a:extLst>
-          </p:cNvPr>
-          <p:cNvSpPr>
-            <a:spLocks noGrp="1"/>
-          </p:cNvSpPr>
-          <p:nvPr>
-            <p:ph type="title"/>
-          </p:nvPr>
-        </p:nvSpPr>
-        <p:spPr/>
-        <p:txBody>
-          <a:bodyPr/>
-          <a:lstStyle/>
-          <a:p>
-            <a:r>
-              <a:rPr lang="en-US" b="1" dirty="0"/>
-              <a:t>Sentinel Loop Example</a:t>
-            </a:r>
-          </a:p>
-        </p:txBody>
-      </p:sp>
-      <p:sp>
-        <p:nvSpPr>
-          <p:cNvPr id="3" name="Content Placeholder 2">
-            <a:extLst>
-              <a:ext uri="{FF2B5EF4-FFF2-40B4-BE49-F238E27FC236}">
-                <a16:creationId xmlns:a16="http://schemas.microsoft.com/office/drawing/2014/main" id="{52B1F915-1FA0-4F0E-A38C-7FC002638352}"/>
-              </a:ext>
-            </a:extLst>
-          </p:cNvPr>
-          <p:cNvSpPr>
-            <a:spLocks noGrp="1"/>
-          </p:cNvSpPr>
+      <p:pic>
+        <p:nvPicPr>
+          <p:cNvPr id="5" name="Content Placeholder 4">
+            <a:extLst>
+              <a:ext uri="{FF2B5EF4-FFF2-40B4-BE49-F238E27FC236}">
+                <a16:creationId xmlns:a16="http://schemas.microsoft.com/office/drawing/2014/main" id="{0B876E99-B69C-4BA9-A4BB-3D6405799A5A}"/>
+              </a:ext>
+            </a:extLst>
+          </p:cNvPr>
+          <p:cNvPicPr>
+            <a:picLocks noGrp="1" noChangeAspect="1"/>
+          </p:cNvPicPr>
           <p:nvPr>
             <p:ph idx="1"/>
           </p:nvPr>
-        </p:nvSpPr>
+        </p:nvPicPr>
+        <p:blipFill>
+          <a:blip r:embed="rId2">
+            <a:extLst>
+              <a:ext uri="{28A0092B-C50C-407E-A947-70E740481C1C}">
+                <a14:useLocalDpi xmlns:a14="http://schemas.microsoft.com/office/drawing/2010/main" val="0"/>
+              </a:ext>
+            </a:extLst>
+          </a:blip>
+          <a:stretch>
+            <a:fillRect/>
+          </a:stretch>
+        </p:blipFill>
         <p:spPr>
           <a:xfrm>
-            <a:off x="838200" y="1690688"/>
-            <a:ext cx="10515600" cy="4486275"/>
+            <a:off x="1016047" y="643466"/>
+            <a:ext cx="10159905" cy="5571067"/>
           </a:xfrm>
+          <a:prstGeom prst="rect">
+            <a:avLst/>
+          </a:prstGeom>
         </p:spPr>
-        <p:txBody>
-          <a:bodyPr/>
-          <a:lstStyle/>
-          <a:p>
-            <a:r>
-              <a:rPr lang="en-US" sz="2400" dirty="0"/>
-              <a:t>Here’s an example, where we ask the user to enter student names:</a:t>
-            </a:r>
-          </a:p>
-          <a:p>
-            <a:endParaRPr lang="en-US" sz="2400" dirty="0"/>
-          </a:p>
-          <a:p>
-            <a:pPr marL="457200" lvl="1" indent="0">
-              <a:buNone/>
-            </a:pPr>
-            <a:r>
-              <a:rPr lang="en-US" b="1" dirty="0">
-                <a:latin typeface="Courier New" panose="02070309020205020404" pitchFamily="49" charset="0"/>
-                <a:cs typeface="Courier New" panose="02070309020205020404" pitchFamily="49" charset="0"/>
-              </a:rPr>
-              <a:t>students = []</a:t>
-            </a:r>
-          </a:p>
-          <a:p>
-            <a:pPr marL="457200" lvl="1" indent="0">
-              <a:buNone/>
-            </a:pPr>
-            <a:r>
-              <a:rPr lang="en-US" b="1" dirty="0">
-                <a:latin typeface="Courier New" panose="02070309020205020404" pitchFamily="49" charset="0"/>
-                <a:cs typeface="Courier New" panose="02070309020205020404" pitchFamily="49" charset="0"/>
-              </a:rPr>
-              <a:t>name = </a:t>
-            </a:r>
-            <a:r>
-              <a:rPr lang="en-US" b="1" dirty="0">
-                <a:solidFill>
-                  <a:srgbClr val="C00000"/>
-                </a:solidFill>
-                <a:latin typeface="Courier New" panose="02070309020205020404" pitchFamily="49" charset="0"/>
-                <a:cs typeface="Courier New" panose="02070309020205020404" pitchFamily="49" charset="0"/>
-              </a:rPr>
-              <a:t>input</a:t>
-            </a:r>
-            <a:r>
-              <a:rPr lang="en-US" b="1" dirty="0">
-                <a:latin typeface="Courier New" panose="02070309020205020404" pitchFamily="49" charset="0"/>
-                <a:cs typeface="Courier New" panose="02070309020205020404" pitchFamily="49" charset="0"/>
-              </a:rPr>
-              <a:t>(</a:t>
-            </a:r>
-            <a:r>
-              <a:rPr lang="en-US" b="1" dirty="0">
-                <a:solidFill>
-                  <a:srgbClr val="008000"/>
-                </a:solidFill>
-                <a:latin typeface="Courier New" panose="02070309020205020404" pitchFamily="49" charset="0"/>
-                <a:cs typeface="Courier New" panose="02070309020205020404" pitchFamily="49" charset="0"/>
-              </a:rPr>
-              <a:t>"Please enter a student, or 'QUIT' to stop: "</a:t>
-            </a:r>
-            <a:r>
-              <a:rPr lang="en-US" b="1" dirty="0">
-                <a:latin typeface="Courier New" panose="02070309020205020404" pitchFamily="49" charset="0"/>
-                <a:cs typeface="Courier New" panose="02070309020205020404" pitchFamily="49" charset="0"/>
-              </a:rPr>
-              <a:t>)</a:t>
-            </a:r>
-          </a:p>
-          <a:p>
-            <a:pPr marL="457200" lvl="1" indent="0">
-              <a:buNone/>
-            </a:pPr>
-            <a:endParaRPr lang="en-US" b="1" dirty="0">
-              <a:latin typeface="Courier New" panose="02070309020205020404" pitchFamily="49" charset="0"/>
-              <a:cs typeface="Courier New" panose="02070309020205020404" pitchFamily="49" charset="0"/>
-            </a:endParaRPr>
-          </a:p>
-          <a:p>
-            <a:pPr marL="457200" lvl="1" indent="0">
-              <a:buNone/>
-            </a:pPr>
-            <a:endParaRPr lang="en-US" b="1" dirty="0">
-              <a:latin typeface="Courier New" panose="02070309020205020404" pitchFamily="49" charset="0"/>
-              <a:cs typeface="Courier New" panose="02070309020205020404" pitchFamily="49" charset="0"/>
-            </a:endParaRPr>
-          </a:p>
-          <a:p>
-            <a:pPr marL="457200" lvl="1" indent="0">
-              <a:buNone/>
-            </a:pPr>
-            <a:r>
-              <a:rPr lang="en-US" b="1" dirty="0">
-                <a:solidFill>
-                  <a:srgbClr val="0000CC"/>
-                </a:solidFill>
-                <a:latin typeface="Courier New" panose="02070309020205020404" pitchFamily="49" charset="0"/>
-                <a:cs typeface="Courier New" panose="02070309020205020404" pitchFamily="49" charset="0"/>
-              </a:rPr>
-              <a:t>while </a:t>
-            </a:r>
-            <a:r>
-              <a:rPr lang="en-US" b="1" dirty="0">
-                <a:latin typeface="Courier New" panose="02070309020205020404" pitchFamily="49" charset="0"/>
-                <a:cs typeface="Courier New" panose="02070309020205020404" pitchFamily="49" charset="0"/>
-              </a:rPr>
-              <a:t>name != </a:t>
-            </a:r>
-            <a:r>
-              <a:rPr lang="en-US" b="1" dirty="0">
-                <a:solidFill>
-                  <a:srgbClr val="008000"/>
-                </a:solidFill>
-                <a:latin typeface="Courier New" panose="02070309020205020404" pitchFamily="49" charset="0"/>
-                <a:cs typeface="Courier New" panose="02070309020205020404" pitchFamily="49" charset="0"/>
-              </a:rPr>
-              <a:t>"QUIT"</a:t>
-            </a:r>
-            <a:r>
-              <a:rPr lang="en-US" b="1" dirty="0">
-                <a:latin typeface="Courier New" panose="02070309020205020404" pitchFamily="49" charset="0"/>
-                <a:cs typeface="Courier New" panose="02070309020205020404" pitchFamily="49" charset="0"/>
-              </a:rPr>
-              <a:t>:</a:t>
-            </a:r>
-          </a:p>
-          <a:p>
-            <a:pPr marL="457200" lvl="1" indent="0">
-              <a:buNone/>
-            </a:pPr>
-            <a:r>
-              <a:rPr lang="en-US" b="1" dirty="0">
-                <a:latin typeface="Courier New" panose="02070309020205020404" pitchFamily="49" charset="0"/>
-                <a:cs typeface="Courier New" panose="02070309020205020404" pitchFamily="49" charset="0"/>
-              </a:rPr>
-              <a:t>    </a:t>
-            </a:r>
-            <a:r>
-              <a:rPr lang="en-US" b="1" dirty="0" err="1">
-                <a:latin typeface="Courier New" panose="02070309020205020404" pitchFamily="49" charset="0"/>
-                <a:cs typeface="Courier New" panose="02070309020205020404" pitchFamily="49" charset="0"/>
-              </a:rPr>
-              <a:t>students.append</a:t>
-            </a:r>
-            <a:r>
-              <a:rPr lang="en-US" b="1" dirty="0">
-                <a:latin typeface="Courier New" panose="02070309020205020404" pitchFamily="49" charset="0"/>
-                <a:cs typeface="Courier New" panose="02070309020205020404" pitchFamily="49" charset="0"/>
-              </a:rPr>
-              <a:t>(name)</a:t>
-            </a:r>
-          </a:p>
-          <a:p>
-            <a:pPr marL="457200" lvl="1" indent="0">
-              <a:buNone/>
-            </a:pPr>
-            <a:r>
-              <a:rPr lang="en-US" b="1" dirty="0">
-                <a:latin typeface="Courier New" panose="02070309020205020404" pitchFamily="49" charset="0"/>
-                <a:cs typeface="Courier New" panose="02070309020205020404" pitchFamily="49" charset="0"/>
-              </a:rPr>
-              <a:t>    name = </a:t>
-            </a:r>
-            <a:r>
-              <a:rPr lang="en-US" b="1" dirty="0">
-                <a:solidFill>
-                  <a:srgbClr val="C00000"/>
-                </a:solidFill>
-                <a:latin typeface="Courier New" panose="02070309020205020404" pitchFamily="49" charset="0"/>
-                <a:cs typeface="Courier New" panose="02070309020205020404" pitchFamily="49" charset="0"/>
-              </a:rPr>
-              <a:t>input</a:t>
-            </a:r>
-            <a:r>
-              <a:rPr lang="en-US" b="1" dirty="0">
-                <a:latin typeface="Courier New" panose="02070309020205020404" pitchFamily="49" charset="0"/>
-                <a:cs typeface="Courier New" panose="02070309020205020404" pitchFamily="49" charset="0"/>
-              </a:rPr>
-              <a:t>(</a:t>
-            </a:r>
-            <a:r>
-              <a:rPr lang="en-US" b="1" dirty="0">
-                <a:solidFill>
-                  <a:srgbClr val="008000"/>
-                </a:solidFill>
-                <a:latin typeface="Courier New" panose="02070309020205020404" pitchFamily="49" charset="0"/>
-                <a:cs typeface="Courier New" panose="02070309020205020404" pitchFamily="49" charset="0"/>
-              </a:rPr>
-              <a:t>"Please enter a student, or 'QUIT' to stop: "</a:t>
-            </a:r>
-            <a:r>
-              <a:rPr lang="en-US" b="1" dirty="0">
-                <a:latin typeface="Courier New" panose="02070309020205020404" pitchFamily="49" charset="0"/>
-                <a:cs typeface="Courier New" panose="02070309020205020404" pitchFamily="49" charset="0"/>
-              </a:rPr>
-              <a:t>)</a:t>
-            </a:r>
-          </a:p>
-          <a:p>
-            <a:endParaRPr lang="en-US" dirty="0"/>
-          </a:p>
-        </p:txBody>
-      </p:sp>
+      </p:pic>
     </p:spTree>
     <p:extLst>
       <p:ext uri="{BB962C8B-B14F-4D97-AF65-F5344CB8AC3E}">
-        <p14:creationId xmlns:p14="http://schemas.microsoft.com/office/powerpoint/2010/main" val="4117395886"/>
+        <p14:creationId xmlns:p14="http://schemas.microsoft.com/office/powerpoint/2010/main" val="1273069778"/>
       </p:ext>
     </p:extLst>
   </p:cSld>
@@ -8800,82 +8629,6 @@
           <p:cNvPr id="5" name="Content Placeholder 4">
             <a:extLst>
               <a:ext uri="{FF2B5EF4-FFF2-40B4-BE49-F238E27FC236}">
-                <a16:creationId xmlns:a16="http://schemas.microsoft.com/office/drawing/2014/main" id="{0B876E99-B69C-4BA9-A4BB-3D6405799A5A}"/>
-              </a:ext>
-            </a:extLst>
-          </p:cNvPr>
-          <p:cNvPicPr>
-            <a:picLocks noGrp="1" noChangeAspect="1"/>
-          </p:cNvPicPr>
-          <p:nvPr>
-            <p:ph idx="1"/>
-          </p:nvPr>
-        </p:nvPicPr>
-        <p:blipFill>
-          <a:blip r:embed="rId2">
-            <a:extLst>
-              <a:ext uri="{28A0092B-C50C-407E-A947-70E740481C1C}">
-                <a14:useLocalDpi xmlns:a14="http://schemas.microsoft.com/office/drawing/2010/main" val="0"/>
-              </a:ext>
-            </a:extLst>
-          </a:blip>
-          <a:stretch>
-            <a:fillRect/>
-          </a:stretch>
-        </p:blipFill>
-        <p:spPr>
-          <a:xfrm>
-            <a:off x="1016047" y="643466"/>
-            <a:ext cx="10159905" cy="5571067"/>
-          </a:xfrm>
-          <a:prstGeom prst="rect">
-            <a:avLst/>
-          </a:prstGeom>
-        </p:spPr>
-      </p:pic>
-    </p:spTree>
-    <p:extLst>
-      <p:ext uri="{BB962C8B-B14F-4D97-AF65-F5344CB8AC3E}">
-        <p14:creationId xmlns:p14="http://schemas.microsoft.com/office/powerpoint/2010/main" val="1273069778"/>
-      </p:ext>
-    </p:extLst>
-  </p:cSld>
-  <p:clrMapOvr>
-    <a:masterClrMapping/>
-  </p:clrMapOvr>
-</p:sld>
-</file>
-
-<file path=ppt/slides/slide39.xml><?xml version="1.0" encoding="utf-8"?>
-<p:sld xmlns:a="http://schemas.openxmlformats.org/drawingml/2006/main" xmlns:r="http://schemas.openxmlformats.org/officeDocument/2006/relationships" xmlns:p="http://schemas.openxmlformats.org/presentationml/2006/main">
-  <p:cSld>
-    <p:bg>
-      <p:bgPr>
-        <a:solidFill>
-          <a:schemeClr val="bg1"/>
-        </a:solidFill>
-        <a:effectLst/>
-      </p:bgPr>
-    </p:bg>
-    <p:spTree>
-      <p:nvGrpSpPr>
-        <p:cNvPr id="1" name=""/>
-        <p:cNvGrpSpPr/>
-        <p:nvPr/>
-      </p:nvGrpSpPr>
-      <p:grpSpPr>
-        <a:xfrm>
-          <a:off x="0" y="0"/>
-          <a:ext cx="0" cy="0"/>
-          <a:chOff x="0" y="0"/>
-          <a:chExt cx="0" cy="0"/>
-        </a:xfrm>
-      </p:grpSpPr>
-      <p:pic>
-        <p:nvPicPr>
-          <p:cNvPr id="5" name="Content Placeholder 4">
-            <a:extLst>
-              <a:ext uri="{FF2B5EF4-FFF2-40B4-BE49-F238E27FC236}">
                 <a16:creationId xmlns:a16="http://schemas.microsoft.com/office/drawing/2014/main" id="{00C582B8-32A7-4A5F-83E2-528BD6EDA7A9}"/>
               </a:ext>
             </a:extLst>
@@ -8913,6 +8666,77 @@
     <p:extLst>
       <p:ext uri="{BB962C8B-B14F-4D97-AF65-F5344CB8AC3E}">
         <p14:creationId xmlns:p14="http://schemas.microsoft.com/office/powerpoint/2010/main" val="2222631321"/>
+      </p:ext>
+    </p:extLst>
+  </p:cSld>
+  <p:clrMapOvr>
+    <a:masterClrMapping/>
+  </p:clrMapOvr>
+</p:sld>
+</file>
+
+<file path=ppt/slides/slide39.xml><?xml version="1.0" encoding="utf-8"?>
+<p:sld xmlns:a="http://schemas.openxmlformats.org/drawingml/2006/main" xmlns:r="http://schemas.openxmlformats.org/officeDocument/2006/relationships" xmlns:p="http://schemas.openxmlformats.org/presentationml/2006/main">
+  <p:cSld>
+    <p:spTree>
+      <p:nvGrpSpPr>
+        <p:cNvPr id="1" name=""/>
+        <p:cNvGrpSpPr/>
+        <p:nvPr/>
+      </p:nvGrpSpPr>
+      <p:grpSpPr>
+        <a:xfrm>
+          <a:off x="0" y="0"/>
+          <a:ext cx="0" cy="0"/>
+          <a:chOff x="0" y="0"/>
+          <a:chExt cx="0" cy="0"/>
+        </a:xfrm>
+      </p:grpSpPr>
+      <p:sp>
+        <p:nvSpPr>
+          <p:cNvPr id="2" name="Title 1">
+            <a:extLst>
+              <a:ext uri="{FF2B5EF4-FFF2-40B4-BE49-F238E27FC236}">
+                <a16:creationId xmlns:a16="http://schemas.microsoft.com/office/drawing/2014/main" id="{7EC034A5-532F-437F-A66A-CBCF6CB63070}"/>
+              </a:ext>
+            </a:extLst>
+          </p:cNvPr>
+          <p:cNvSpPr>
+            <a:spLocks noGrp="1"/>
+          </p:cNvSpPr>
+          <p:nvPr>
+            <p:ph type="title"/>
+          </p:nvPr>
+        </p:nvSpPr>
+        <p:spPr>
+          <a:xfrm>
+            <a:off x="2780127" y="2362737"/>
+            <a:ext cx="6631745" cy="1325563"/>
+          </a:xfrm>
+        </p:spPr>
+        <p:txBody>
+          <a:bodyPr/>
+          <a:lstStyle/>
+          <a:p>
+            <a:r>
+              <a:rPr lang="en-US" dirty="0"/>
+              <a:t>Membership </a:t>
+            </a:r>
+            <a:r>
+              <a:rPr lang="en-US" b="1" dirty="0"/>
+              <a:t>“in” </a:t>
+            </a:r>
+            <a:r>
+              <a:rPr lang="en-US" dirty="0"/>
+              <a:t>Operator</a:t>
+            </a:r>
+          </a:p>
+        </p:txBody>
+      </p:sp>
+    </p:spTree>
+    <p:extLst>
+      <p:ext uri="{BB962C8B-B14F-4D97-AF65-F5344CB8AC3E}">
+        <p14:creationId xmlns:p14="http://schemas.microsoft.com/office/powerpoint/2010/main" val="852225997"/>
       </p:ext>
     </p:extLst>
   </p:cSld>
@@ -9225,77 +9049,6 @@
           <p:cNvPr id="2" name="Title 1">
             <a:extLst>
               <a:ext uri="{FF2B5EF4-FFF2-40B4-BE49-F238E27FC236}">
-                <a16:creationId xmlns:a16="http://schemas.microsoft.com/office/drawing/2014/main" id="{7EC034A5-532F-437F-A66A-CBCF6CB63070}"/>
-              </a:ext>
-            </a:extLst>
-          </p:cNvPr>
-          <p:cNvSpPr>
-            <a:spLocks noGrp="1"/>
-          </p:cNvSpPr>
-          <p:nvPr>
-            <p:ph type="title"/>
-          </p:nvPr>
-        </p:nvSpPr>
-        <p:spPr>
-          <a:xfrm>
-            <a:off x="2780127" y="2362737"/>
-            <a:ext cx="6631745" cy="1325563"/>
-          </a:xfrm>
-        </p:spPr>
-        <p:txBody>
-          <a:bodyPr/>
-          <a:lstStyle/>
-          <a:p>
-            <a:r>
-              <a:rPr lang="en-US" dirty="0"/>
-              <a:t>Membership </a:t>
-            </a:r>
-            <a:r>
-              <a:rPr lang="en-US" b="1" dirty="0"/>
-              <a:t>“in” </a:t>
-            </a:r>
-            <a:r>
-              <a:rPr lang="en-US" dirty="0"/>
-              <a:t>Operator</a:t>
-            </a:r>
-          </a:p>
-        </p:txBody>
-      </p:sp>
-    </p:spTree>
-    <p:extLst>
-      <p:ext uri="{BB962C8B-B14F-4D97-AF65-F5344CB8AC3E}">
-        <p14:creationId xmlns:p14="http://schemas.microsoft.com/office/powerpoint/2010/main" val="852225997"/>
-      </p:ext>
-    </p:extLst>
-  </p:cSld>
-  <p:clrMapOvr>
-    <a:masterClrMapping/>
-  </p:clrMapOvr>
-</p:sld>
-</file>
-
-<file path=ppt/slides/slide41.xml><?xml version="1.0" encoding="utf-8"?>
-<p:sld xmlns:a="http://schemas.openxmlformats.org/drawingml/2006/main" xmlns:r="http://schemas.openxmlformats.org/officeDocument/2006/relationships" xmlns:p="http://schemas.openxmlformats.org/presentationml/2006/main">
-  <p:cSld>
-    <p:spTree>
-      <p:nvGrpSpPr>
-        <p:cNvPr id="1" name=""/>
-        <p:cNvGrpSpPr/>
-        <p:nvPr/>
-      </p:nvGrpSpPr>
-      <p:grpSpPr>
-        <a:xfrm>
-          <a:off x="0" y="0"/>
-          <a:ext cx="0" cy="0"/>
-          <a:chOff x="0" y="0"/>
-          <a:chExt cx="0" cy="0"/>
-        </a:xfrm>
-      </p:grpSpPr>
-      <p:sp>
-        <p:nvSpPr>
-          <p:cNvPr id="2" name="Title 1">
-            <a:extLst>
-              <a:ext uri="{FF2B5EF4-FFF2-40B4-BE49-F238E27FC236}">
                 <a16:creationId xmlns:a16="http://schemas.microsoft.com/office/drawing/2014/main" id="{6299EB38-0849-4100-A1C3-416129BBC601}"/>
               </a:ext>
             </a:extLst>
@@ -9596,7 +9349,7 @@
 </p:sld>
 </file>
 
-<file path=ppt/slides/slide42.xml><?xml version="1.0" encoding="utf-8"?>
+<file path=ppt/slides/slide41.xml><?xml version="1.0" encoding="utf-8"?>
 <p:sld xmlns:a="http://schemas.openxmlformats.org/drawingml/2006/main" xmlns:r="http://schemas.openxmlformats.org/officeDocument/2006/relationships" xmlns:p="http://schemas.openxmlformats.org/presentationml/2006/main">
   <p:cSld>
     <p:bg>
@@ -9800,7 +9553,7 @@
 </p:sld>
 </file>
 
-<file path=ppt/slides/slide43.xml><?xml version="1.0" encoding="utf-8"?>
+<file path=ppt/slides/slide42.xml><?xml version="1.0" encoding="utf-8"?>
 <p:sld xmlns:a="http://schemas.openxmlformats.org/drawingml/2006/main" xmlns:r="http://schemas.openxmlformats.org/officeDocument/2006/relationships" xmlns:p="http://schemas.openxmlformats.org/presentationml/2006/main">
   <p:cSld>
     <p:spTree>
@@ -9839,12 +9592,8 @@
           <a:lstStyle/>
           <a:p>
             <a:r>
-              <a:rPr lang="en-US"/>
-              <a:t>HW 08: </a:t>
-            </a:r>
-            <a:r>
-              <a:rPr lang="en-US" dirty="0"/>
-              <a:t>Updated Grocery List </a:t>
+              <a:rPr lang="en-US" dirty="0"/>
+              <a:t>HW 09: Updated Grocery List </a:t>
             </a:r>
           </a:p>
         </p:txBody>
@@ -9953,7 +9702,7 @@
 </p:sld>
 </file>
 
-<file path=ppt/slides/slide44.xml><?xml version="1.0" encoding="utf-8"?>
+<file path=ppt/slides/slide43.xml><?xml version="1.0" encoding="utf-8"?>
 <p:sld xmlns:a="http://schemas.openxmlformats.org/drawingml/2006/main" xmlns:r="http://schemas.openxmlformats.org/officeDocument/2006/relationships" xmlns:p="http://schemas.openxmlformats.org/presentationml/2006/main">
   <p:cSld>
     <p:spTree>
